--- a/APS-Topicos_Especiais_em_Sistemas_de_Informacao.pptx
+++ b/APS-Topicos_Especiais_em_Sistemas_de_Informacao.pptx
@@ -172,7 +172,7 @@
           <a:noFill/>
           <a:extLst>
             <a:ext uri="{909E8E84-426E-40dd-AFC4-6F175D3DCCD1}">
-              <a14:hiddenFill xmlns="" xmlns:a14="http://schemas.microsoft.com/office/drawing/2010/main">
+              <a14:hiddenFill xmlns:a14="http://schemas.microsoft.com/office/drawing/2010/main" xmlns="">
                 <a:solidFill>
                   <a:srgbClr val="FFFFFF"/>
                 </a:solidFill>
@@ -231,7 +231,7 @@
             </a:ln>
             <a:extLst>
               <a:ext uri="{91240B29-F687-4f45-9708-019B960494DF}">
-                <a14:hiddenLine xmlns="" xmlns:a14="http://schemas.microsoft.com/office/drawing/2010/main" w="9525">
+                <a14:hiddenLine xmlns:a14="http://schemas.microsoft.com/office/drawing/2010/main" xmlns="" w="9525">
                   <a:solidFill>
                     <a:srgbClr val="000000"/>
                   </a:solidFill>
@@ -321,7 +321,7 @@
             </a:ln>
             <a:extLst>
               <a:ext uri="{91240B29-F687-4f45-9708-019B960494DF}">
-                <a14:hiddenLine xmlns="" xmlns:a14="http://schemas.microsoft.com/office/drawing/2010/main" w="9525">
+                <a14:hiddenLine xmlns:a14="http://schemas.microsoft.com/office/drawing/2010/main" xmlns="" w="9525">
                   <a:solidFill>
                     <a:srgbClr val="000000"/>
                   </a:solidFill>
@@ -411,7 +411,7 @@
             </a:ln>
             <a:extLst>
               <a:ext uri="{91240B29-F687-4f45-9708-019B960494DF}">
-                <a14:hiddenLine xmlns="" xmlns:a14="http://schemas.microsoft.com/office/drawing/2010/main" w="9525">
+                <a14:hiddenLine xmlns:a14="http://schemas.microsoft.com/office/drawing/2010/main" xmlns="" w="9525">
                   <a:solidFill>
                     <a:srgbClr val="000000"/>
                   </a:solidFill>
@@ -445,7 +445,7 @@
             </a:ln>
             <a:extLst>
               <a:ext uri="{91240B29-F687-4f45-9708-019B960494DF}">
-                <a14:hiddenLine xmlns="" xmlns:a14="http://schemas.microsoft.com/office/drawing/2010/main" w="9525">
+                <a14:hiddenLine xmlns:a14="http://schemas.microsoft.com/office/drawing/2010/main" xmlns="" w="9525">
                   <a:solidFill>
                     <a:srgbClr val="000000"/>
                   </a:solidFill>
@@ -535,7 +535,7 @@
             </a:ln>
             <a:extLst>
               <a:ext uri="{91240B29-F687-4f45-9708-019B960494DF}">
-                <a14:hiddenLine xmlns="" xmlns:a14="http://schemas.microsoft.com/office/drawing/2010/main" w="9525">
+                <a14:hiddenLine xmlns:a14="http://schemas.microsoft.com/office/drawing/2010/main" xmlns="" w="9525">
                   <a:solidFill>
                     <a:srgbClr val="000000"/>
                   </a:solidFill>
@@ -597,7 +597,7 @@
             </a:ln>
             <a:extLst>
               <a:ext uri="{91240B29-F687-4f45-9708-019B960494DF}">
-                <a14:hiddenLine xmlns="" xmlns:a14="http://schemas.microsoft.com/office/drawing/2010/main" w="9525">
+                <a14:hiddenLine xmlns:a14="http://schemas.microsoft.com/office/drawing/2010/main" xmlns="" w="9525">
                   <a:solidFill>
                     <a:srgbClr val="000000"/>
                   </a:solidFill>
@@ -659,7 +659,7 @@
             </a:ln>
             <a:extLst>
               <a:ext uri="{91240B29-F687-4f45-9708-019B960494DF}">
-                <a14:hiddenLine xmlns="" xmlns:a14="http://schemas.microsoft.com/office/drawing/2010/main" w="9525">
+                <a14:hiddenLine xmlns:a14="http://schemas.microsoft.com/office/drawing/2010/main" xmlns="" w="9525">
                   <a:solidFill>
                     <a:srgbClr val="000000"/>
                   </a:solidFill>
@@ -749,7 +749,7 @@
             </a:ln>
             <a:extLst>
               <a:ext uri="{91240B29-F687-4f45-9708-019B960494DF}">
-                <a14:hiddenLine xmlns="" xmlns:a14="http://schemas.microsoft.com/office/drawing/2010/main" w="9525">
+                <a14:hiddenLine xmlns:a14="http://schemas.microsoft.com/office/drawing/2010/main" xmlns="" w="9525">
                   <a:solidFill>
                     <a:srgbClr val="000000"/>
                   </a:solidFill>
@@ -811,7 +811,7 @@
             </a:ln>
             <a:extLst>
               <a:ext uri="{91240B29-F687-4f45-9708-019B960494DF}">
-                <a14:hiddenLine xmlns="" xmlns:a14="http://schemas.microsoft.com/office/drawing/2010/main" w="9525">
+                <a14:hiddenLine xmlns:a14="http://schemas.microsoft.com/office/drawing/2010/main" xmlns="" w="9525">
                   <a:solidFill>
                     <a:srgbClr val="000000"/>
                   </a:solidFill>
@@ -873,7 +873,7 @@
             </a:ln>
             <a:extLst>
               <a:ext uri="{91240B29-F687-4f45-9708-019B960494DF}">
-                <a14:hiddenLine xmlns="" xmlns:a14="http://schemas.microsoft.com/office/drawing/2010/main" w="9525">
+                <a14:hiddenLine xmlns:a14="http://schemas.microsoft.com/office/drawing/2010/main" xmlns="" w="9525">
                   <a:solidFill>
                     <a:srgbClr val="000000"/>
                   </a:solidFill>
@@ -963,7 +963,7 @@
             </a:ln>
             <a:extLst>
               <a:ext uri="{91240B29-F687-4f45-9708-019B960494DF}">
-                <a14:hiddenLine xmlns="" xmlns:a14="http://schemas.microsoft.com/office/drawing/2010/main" w="9525">
+                <a14:hiddenLine xmlns:a14="http://schemas.microsoft.com/office/drawing/2010/main" xmlns="" w="9525">
                   <a:solidFill>
                     <a:srgbClr val="000000"/>
                   </a:solidFill>
@@ -1053,7 +1053,7 @@
             </a:ln>
             <a:extLst>
               <a:ext uri="{91240B29-F687-4f45-9708-019B960494DF}">
-                <a14:hiddenLine xmlns="" xmlns:a14="http://schemas.microsoft.com/office/drawing/2010/main" w="9525">
+                <a14:hiddenLine xmlns:a14="http://schemas.microsoft.com/office/drawing/2010/main" xmlns="" w="9525">
                   <a:solidFill>
                     <a:srgbClr val="000000"/>
                   </a:solidFill>
@@ -1115,7 +1115,7 @@
             </a:ln>
             <a:extLst>
               <a:ext uri="{91240B29-F687-4f45-9708-019B960494DF}">
-                <a14:hiddenLine xmlns="" xmlns:a14="http://schemas.microsoft.com/office/drawing/2010/main" w="9525">
+                <a14:hiddenLine xmlns:a14="http://schemas.microsoft.com/office/drawing/2010/main" xmlns="" w="9525">
                   <a:solidFill>
                     <a:srgbClr val="000000"/>
                   </a:solidFill>
@@ -1225,7 +1225,7 @@
             </a:ln>
             <a:extLst>
               <a:ext uri="{91240B29-F687-4f45-9708-019B960494DF}">
-                <a14:hiddenLine xmlns="" xmlns:a14="http://schemas.microsoft.com/office/drawing/2010/main" w="9525">
+                <a14:hiddenLine xmlns:a14="http://schemas.microsoft.com/office/drawing/2010/main" xmlns="" w="9525">
                   <a:solidFill>
                     <a:srgbClr val="000000"/>
                   </a:solidFill>
@@ -1287,7 +1287,7 @@
             </a:ln>
             <a:extLst>
               <a:ext uri="{91240B29-F687-4f45-9708-019B960494DF}">
-                <a14:hiddenLine xmlns="" xmlns:a14="http://schemas.microsoft.com/office/drawing/2010/main" w="9525">
+                <a14:hiddenLine xmlns:a14="http://schemas.microsoft.com/office/drawing/2010/main" xmlns="" w="9525">
                   <a:solidFill>
                     <a:srgbClr val="000000"/>
                   </a:solidFill>
@@ -1377,7 +1377,7 @@
             </a:ln>
             <a:extLst>
               <a:ext uri="{91240B29-F687-4f45-9708-019B960494DF}">
-                <a14:hiddenLine xmlns="" xmlns:a14="http://schemas.microsoft.com/office/drawing/2010/main" w="9525">
+                <a14:hiddenLine xmlns:a14="http://schemas.microsoft.com/office/drawing/2010/main" xmlns="" w="9525">
                   <a:solidFill>
                     <a:srgbClr val="000000"/>
                   </a:solidFill>
@@ -1467,7 +1467,7 @@
             </a:ln>
             <a:extLst>
               <a:ext uri="{91240B29-F687-4f45-9708-019B960494DF}">
-                <a14:hiddenLine xmlns="" xmlns:a14="http://schemas.microsoft.com/office/drawing/2010/main" w="9525">
+                <a14:hiddenLine xmlns:a14="http://schemas.microsoft.com/office/drawing/2010/main" xmlns="" w="9525">
                   <a:solidFill>
                     <a:srgbClr val="000000"/>
                   </a:solidFill>
@@ -1529,7 +1529,7 @@
             </a:ln>
             <a:extLst>
               <a:ext uri="{91240B29-F687-4f45-9708-019B960494DF}">
-                <a14:hiddenLine xmlns="" xmlns:a14="http://schemas.microsoft.com/office/drawing/2010/main" w="9525">
+                <a14:hiddenLine xmlns:a14="http://schemas.microsoft.com/office/drawing/2010/main" xmlns="" w="9525">
                   <a:solidFill>
                     <a:srgbClr val="000000"/>
                   </a:solidFill>
@@ -1619,7 +1619,7 @@
             </a:ln>
             <a:extLst>
               <a:ext uri="{91240B29-F687-4f45-9708-019B960494DF}">
-                <a14:hiddenLine xmlns="" xmlns:a14="http://schemas.microsoft.com/office/drawing/2010/main" w="9525">
+                <a14:hiddenLine xmlns:a14="http://schemas.microsoft.com/office/drawing/2010/main" xmlns="" w="9525">
                   <a:solidFill>
                     <a:srgbClr val="000000"/>
                   </a:solidFill>
@@ -1709,7 +1709,7 @@
             </a:ln>
             <a:extLst>
               <a:ext uri="{91240B29-F687-4f45-9708-019B960494DF}">
-                <a14:hiddenLine xmlns="" xmlns:a14="http://schemas.microsoft.com/office/drawing/2010/main" w="9525">
+                <a14:hiddenLine xmlns:a14="http://schemas.microsoft.com/office/drawing/2010/main" xmlns="" w="9525">
                   <a:solidFill>
                     <a:srgbClr val="000000"/>
                   </a:solidFill>
@@ -1765,7 +1765,7 @@
             </a:ln>
             <a:extLst>
               <a:ext uri="{91240B29-F687-4f45-9708-019B960494DF}">
-                <a14:hiddenLine xmlns="" xmlns:a14="http://schemas.microsoft.com/office/drawing/2010/main" w="9525">
+                <a14:hiddenLine xmlns:a14="http://schemas.microsoft.com/office/drawing/2010/main" xmlns="" w="9525">
                   <a:solidFill>
                     <a:srgbClr val="000000"/>
                   </a:solidFill>
@@ -1855,7 +1855,7 @@
             </a:ln>
             <a:extLst>
               <a:ext uri="{91240B29-F687-4f45-9708-019B960494DF}">
-                <a14:hiddenLine xmlns="" xmlns:a14="http://schemas.microsoft.com/office/drawing/2010/main" w="9525">
+                <a14:hiddenLine xmlns:a14="http://schemas.microsoft.com/office/drawing/2010/main" xmlns="" w="9525">
                   <a:solidFill>
                     <a:srgbClr val="000000"/>
                   </a:solidFill>
@@ -1911,7 +1911,7 @@
             </a:ln>
             <a:extLst>
               <a:ext uri="{91240B29-F687-4f45-9708-019B960494DF}">
-                <a14:hiddenLine xmlns="" xmlns:a14="http://schemas.microsoft.com/office/drawing/2010/main" w="9525">
+                <a14:hiddenLine xmlns:a14="http://schemas.microsoft.com/office/drawing/2010/main" xmlns="" w="9525">
                   <a:solidFill>
                     <a:srgbClr val="000000"/>
                   </a:solidFill>
@@ -2001,7 +2001,7 @@
             </a:ln>
             <a:extLst>
               <a:ext uri="{91240B29-F687-4f45-9708-019B960494DF}">
-                <a14:hiddenLine xmlns="" xmlns:a14="http://schemas.microsoft.com/office/drawing/2010/main" w="9525">
+                <a14:hiddenLine xmlns:a14="http://schemas.microsoft.com/office/drawing/2010/main" xmlns="" w="9525">
                   <a:solidFill>
                     <a:srgbClr val="000000"/>
                   </a:solidFill>
@@ -2069,7 +2069,7 @@
             </a:ln>
             <a:extLst>
               <a:ext uri="{91240B29-F687-4f45-9708-019B960494DF}">
-                <a14:hiddenLine xmlns="" xmlns:a14="http://schemas.microsoft.com/office/drawing/2010/main" w="9525">
+                <a14:hiddenLine xmlns:a14="http://schemas.microsoft.com/office/drawing/2010/main" xmlns="" w="9525">
                   <a:solidFill>
                     <a:srgbClr val="000000"/>
                   </a:solidFill>
@@ -2159,7 +2159,7 @@
             </a:ln>
             <a:extLst>
               <a:ext uri="{91240B29-F687-4f45-9708-019B960494DF}">
-                <a14:hiddenLine xmlns="" xmlns:a14="http://schemas.microsoft.com/office/drawing/2010/main" w="9525">
+                <a14:hiddenLine xmlns:a14="http://schemas.microsoft.com/office/drawing/2010/main" xmlns="" w="9525">
                   <a:solidFill>
                     <a:srgbClr val="000000"/>
                   </a:solidFill>
@@ -2227,7 +2227,7 @@
             </a:ln>
             <a:extLst>
               <a:ext uri="{91240B29-F687-4f45-9708-019B960494DF}">
-                <a14:hiddenLine xmlns="" xmlns:a14="http://schemas.microsoft.com/office/drawing/2010/main" w="9525">
+                <a14:hiddenLine xmlns:a14="http://schemas.microsoft.com/office/drawing/2010/main" xmlns="" w="9525">
                   <a:solidFill>
                     <a:srgbClr val="000000"/>
                   </a:solidFill>
@@ -2317,7 +2317,7 @@
             </a:ln>
             <a:extLst>
               <a:ext uri="{91240B29-F687-4f45-9708-019B960494DF}">
-                <a14:hiddenLine xmlns="" xmlns:a14="http://schemas.microsoft.com/office/drawing/2010/main" w="9525">
+                <a14:hiddenLine xmlns:a14="http://schemas.microsoft.com/office/drawing/2010/main" xmlns="" w="9525">
                   <a:solidFill>
                     <a:srgbClr val="000000"/>
                   </a:solidFill>
@@ -2351,7 +2351,7 @@
             </a:ln>
             <a:extLst>
               <a:ext uri="{91240B29-F687-4f45-9708-019B960494DF}">
-                <a14:hiddenLine xmlns="" xmlns:a14="http://schemas.microsoft.com/office/drawing/2010/main" w="9525">
+                <a14:hiddenLine xmlns:a14="http://schemas.microsoft.com/office/drawing/2010/main" xmlns="" w="9525">
                   <a:solidFill>
                     <a:srgbClr val="000000"/>
                   </a:solidFill>
@@ -2441,7 +2441,7 @@
             </a:ln>
             <a:extLst>
               <a:ext uri="{91240B29-F687-4f45-9708-019B960494DF}">
-                <a14:hiddenLine xmlns="" xmlns:a14="http://schemas.microsoft.com/office/drawing/2010/main" w="9525">
+                <a14:hiddenLine xmlns:a14="http://schemas.microsoft.com/office/drawing/2010/main" xmlns="" w="9525">
                   <a:solidFill>
                     <a:srgbClr val="000000"/>
                   </a:solidFill>
@@ -2503,7 +2503,7 @@
             </a:ln>
             <a:extLst>
               <a:ext uri="{91240B29-F687-4f45-9708-019B960494DF}">
-                <a14:hiddenLine xmlns="" xmlns:a14="http://schemas.microsoft.com/office/drawing/2010/main" w="9525">
+                <a14:hiddenLine xmlns:a14="http://schemas.microsoft.com/office/drawing/2010/main" xmlns="" w="9525">
                   <a:solidFill>
                     <a:srgbClr val="000000"/>
                   </a:solidFill>
@@ -2565,7 +2565,7 @@
             </a:ln>
             <a:extLst>
               <a:ext uri="{91240B29-F687-4f45-9708-019B960494DF}">
-                <a14:hiddenLine xmlns="" xmlns:a14="http://schemas.microsoft.com/office/drawing/2010/main" w="9525">
+                <a14:hiddenLine xmlns:a14="http://schemas.microsoft.com/office/drawing/2010/main" xmlns="" w="9525">
                   <a:solidFill>
                     <a:srgbClr val="000000"/>
                   </a:solidFill>
@@ -2655,7 +2655,7 @@
             </a:ln>
             <a:extLst>
               <a:ext uri="{91240B29-F687-4f45-9708-019B960494DF}">
-                <a14:hiddenLine xmlns="" xmlns:a14="http://schemas.microsoft.com/office/drawing/2010/main" w="9525">
+                <a14:hiddenLine xmlns:a14="http://schemas.microsoft.com/office/drawing/2010/main" xmlns="" w="9525">
                   <a:solidFill>
                     <a:srgbClr val="000000"/>
                   </a:solidFill>
@@ -2723,7 +2723,7 @@
             </a:ln>
             <a:extLst>
               <a:ext uri="{91240B29-F687-4f45-9708-019B960494DF}">
-                <a14:hiddenLine xmlns="" xmlns:a14="http://schemas.microsoft.com/office/drawing/2010/main" w="9525">
+                <a14:hiddenLine xmlns:a14="http://schemas.microsoft.com/office/drawing/2010/main" xmlns="" w="9525">
                   <a:solidFill>
                     <a:srgbClr val="000000"/>
                   </a:solidFill>
@@ -2785,7 +2785,7 @@
             </a:ln>
             <a:extLst>
               <a:ext uri="{91240B29-F687-4f45-9708-019B960494DF}">
-                <a14:hiddenLine xmlns="" xmlns:a14="http://schemas.microsoft.com/office/drawing/2010/main" w="9525">
+                <a14:hiddenLine xmlns:a14="http://schemas.microsoft.com/office/drawing/2010/main" xmlns="" w="9525">
                   <a:solidFill>
                     <a:srgbClr val="000000"/>
                   </a:solidFill>
@@ -2875,7 +2875,7 @@
             </a:ln>
             <a:extLst>
               <a:ext uri="{91240B29-F687-4f45-9708-019B960494DF}">
-                <a14:hiddenLine xmlns="" xmlns:a14="http://schemas.microsoft.com/office/drawing/2010/main" w="9525">
+                <a14:hiddenLine xmlns:a14="http://schemas.microsoft.com/office/drawing/2010/main" xmlns="" w="9525">
                   <a:solidFill>
                     <a:srgbClr val="000000"/>
                   </a:solidFill>
@@ -2937,7 +2937,7 @@
             </a:ln>
             <a:extLst>
               <a:ext uri="{91240B29-F687-4f45-9708-019B960494DF}">
-                <a14:hiddenLine xmlns="" xmlns:a14="http://schemas.microsoft.com/office/drawing/2010/main" w="9525">
+                <a14:hiddenLine xmlns:a14="http://schemas.microsoft.com/office/drawing/2010/main" xmlns="" w="9525">
                   <a:solidFill>
                     <a:srgbClr val="000000"/>
                   </a:solidFill>
@@ -3027,7 +3027,7 @@
             </a:ln>
             <a:extLst>
               <a:ext uri="{91240B29-F687-4f45-9708-019B960494DF}">
-                <a14:hiddenLine xmlns="" xmlns:a14="http://schemas.microsoft.com/office/drawing/2010/main" w="9525">
+                <a14:hiddenLine xmlns:a14="http://schemas.microsoft.com/office/drawing/2010/main" xmlns="" w="9525">
                   <a:solidFill>
                     <a:srgbClr val="000000"/>
                   </a:solidFill>
@@ -3089,7 +3089,7 @@
             </a:ln>
             <a:extLst>
               <a:ext uri="{91240B29-F687-4f45-9708-019B960494DF}">
-                <a14:hiddenLine xmlns="" xmlns:a14="http://schemas.microsoft.com/office/drawing/2010/main" w="9525">
+                <a14:hiddenLine xmlns:a14="http://schemas.microsoft.com/office/drawing/2010/main" xmlns="" w="9525">
                   <a:solidFill>
                     <a:srgbClr val="000000"/>
                   </a:solidFill>
@@ -3179,7 +3179,7 @@
             </a:ln>
             <a:extLst>
               <a:ext uri="{91240B29-F687-4f45-9708-019B960494DF}">
-                <a14:hiddenLine xmlns="" xmlns:a14="http://schemas.microsoft.com/office/drawing/2010/main" w="9525">
+                <a14:hiddenLine xmlns:a14="http://schemas.microsoft.com/office/drawing/2010/main" xmlns="" w="9525">
                   <a:solidFill>
                     <a:srgbClr val="000000"/>
                   </a:solidFill>
@@ -3213,7 +3213,7 @@
             </a:ln>
             <a:extLst>
               <a:ext uri="{91240B29-F687-4f45-9708-019B960494DF}">
-                <a14:hiddenLine xmlns="" xmlns:a14="http://schemas.microsoft.com/office/drawing/2010/main" w="9525">
+                <a14:hiddenLine xmlns:a14="http://schemas.microsoft.com/office/drawing/2010/main" xmlns="" w="9525">
                   <a:solidFill>
                     <a:srgbClr val="000000"/>
                   </a:solidFill>
@@ -3278,7 +3278,7 @@
             </a:ln>
             <a:extLst>
               <a:ext uri="{91240B29-F687-4f45-9708-019B960494DF}">
-                <a14:hiddenLine xmlns="" xmlns:a14="http://schemas.microsoft.com/office/drawing/2010/main" w="9525">
+                <a14:hiddenLine xmlns:a14="http://schemas.microsoft.com/office/drawing/2010/main" xmlns="" w="9525">
                   <a:solidFill>
                     <a:srgbClr val="000000"/>
                   </a:solidFill>
@@ -3368,7 +3368,7 @@
             </a:ln>
             <a:extLst>
               <a:ext uri="{91240B29-F687-4f45-9708-019B960494DF}">
-                <a14:hiddenLine xmlns="" xmlns:a14="http://schemas.microsoft.com/office/drawing/2010/main" w="9525">
+                <a14:hiddenLine xmlns:a14="http://schemas.microsoft.com/office/drawing/2010/main" xmlns="" w="9525">
                   <a:solidFill>
                     <a:srgbClr val="000000"/>
                   </a:solidFill>
@@ -3430,7 +3430,7 @@
             </a:ln>
             <a:extLst>
               <a:ext uri="{91240B29-F687-4f45-9708-019B960494DF}">
-                <a14:hiddenLine xmlns="" xmlns:a14="http://schemas.microsoft.com/office/drawing/2010/main" w="9525">
+                <a14:hiddenLine xmlns:a14="http://schemas.microsoft.com/office/drawing/2010/main" xmlns="" w="9525">
                   <a:solidFill>
                     <a:srgbClr val="000000"/>
                   </a:solidFill>
@@ -3520,7 +3520,7 @@
             </a:ln>
             <a:extLst>
               <a:ext uri="{91240B29-F687-4f45-9708-019B960494DF}">
-                <a14:hiddenLine xmlns="" xmlns:a14="http://schemas.microsoft.com/office/drawing/2010/main" w="9525">
+                <a14:hiddenLine xmlns:a14="http://schemas.microsoft.com/office/drawing/2010/main" xmlns="" w="9525">
                   <a:solidFill>
                     <a:srgbClr val="000000"/>
                   </a:solidFill>
@@ -3610,7 +3610,7 @@
             </a:ln>
             <a:extLst>
               <a:ext uri="{91240B29-F687-4f45-9708-019B960494DF}">
-                <a14:hiddenLine xmlns="" xmlns:a14="http://schemas.microsoft.com/office/drawing/2010/main" w="9525">
+                <a14:hiddenLine xmlns:a14="http://schemas.microsoft.com/office/drawing/2010/main" xmlns="" w="9525">
                   <a:solidFill>
                     <a:srgbClr val="000000"/>
                   </a:solidFill>
@@ -3675,7 +3675,7 @@
             </a:ln>
             <a:extLst>
               <a:ext uri="{91240B29-F687-4f45-9708-019B960494DF}">
-                <a14:hiddenLine xmlns="" xmlns:a14="http://schemas.microsoft.com/office/drawing/2010/main" w="9525">
+                <a14:hiddenLine xmlns:a14="http://schemas.microsoft.com/office/drawing/2010/main" xmlns="" w="9525">
                   <a:solidFill>
                     <a:srgbClr val="000000"/>
                   </a:solidFill>
@@ -3737,7 +3737,7 @@
             </a:ln>
             <a:extLst>
               <a:ext uri="{91240B29-F687-4f45-9708-019B960494DF}">
-                <a14:hiddenLine xmlns="" xmlns:a14="http://schemas.microsoft.com/office/drawing/2010/main" w="9525">
+                <a14:hiddenLine xmlns:a14="http://schemas.microsoft.com/office/drawing/2010/main" xmlns="" w="9525">
                   <a:solidFill>
                     <a:srgbClr val="000000"/>
                   </a:solidFill>
@@ -3827,7 +3827,7 @@
             </a:ln>
             <a:extLst>
               <a:ext uri="{91240B29-F687-4f45-9708-019B960494DF}">
-                <a14:hiddenLine xmlns="" xmlns:a14="http://schemas.microsoft.com/office/drawing/2010/main" w="9525">
+                <a14:hiddenLine xmlns:a14="http://schemas.microsoft.com/office/drawing/2010/main" xmlns="" w="9525">
                   <a:solidFill>
                     <a:srgbClr val="000000"/>
                   </a:solidFill>
@@ -3917,7 +3917,7 @@
             </a:ln>
             <a:extLst>
               <a:ext uri="{91240B29-F687-4f45-9708-019B960494DF}">
-                <a14:hiddenLine xmlns="" xmlns:a14="http://schemas.microsoft.com/office/drawing/2010/main" w="9525">
+                <a14:hiddenLine xmlns:a14="http://schemas.microsoft.com/office/drawing/2010/main" xmlns="" w="9525">
                   <a:solidFill>
                     <a:srgbClr val="000000"/>
                   </a:solidFill>
@@ -3979,7 +3979,7 @@
             </a:ln>
             <a:extLst>
               <a:ext uri="{91240B29-F687-4f45-9708-019B960494DF}">
-                <a14:hiddenLine xmlns="" xmlns:a14="http://schemas.microsoft.com/office/drawing/2010/main" w="9525">
+                <a14:hiddenLine xmlns:a14="http://schemas.microsoft.com/office/drawing/2010/main" xmlns="" w="9525">
                   <a:solidFill>
                     <a:srgbClr val="000000"/>
                   </a:solidFill>
@@ -4099,7 +4099,7 @@
             </a:ln>
             <a:extLst>
               <a:ext uri="{91240B29-F687-4f45-9708-019B960494DF}">
-                <a14:hiddenLine xmlns="" xmlns:a14="http://schemas.microsoft.com/office/drawing/2010/main" w="9525">
+                <a14:hiddenLine xmlns:a14="http://schemas.microsoft.com/office/drawing/2010/main" xmlns="" w="9525">
                   <a:solidFill>
                     <a:srgbClr val="000000"/>
                   </a:solidFill>
@@ -4167,7 +4167,7 @@
             </a:ln>
             <a:extLst>
               <a:ext uri="{91240B29-F687-4f45-9708-019B960494DF}">
-                <a14:hiddenLine xmlns="" xmlns:a14="http://schemas.microsoft.com/office/drawing/2010/main" w="9525">
+                <a14:hiddenLine xmlns:a14="http://schemas.microsoft.com/office/drawing/2010/main" xmlns="" w="9525">
                   <a:solidFill>
                     <a:srgbClr val="000000"/>
                   </a:solidFill>
@@ -4257,7 +4257,7 @@
             </a:ln>
             <a:extLst>
               <a:ext uri="{91240B29-F687-4f45-9708-019B960494DF}">
-                <a14:hiddenLine xmlns="" xmlns:a14="http://schemas.microsoft.com/office/drawing/2010/main" w="9525">
+                <a14:hiddenLine xmlns:a14="http://schemas.microsoft.com/office/drawing/2010/main" xmlns="" w="9525">
                   <a:solidFill>
                     <a:srgbClr val="000000"/>
                   </a:solidFill>
@@ -9071,7 +9071,7 @@
           <a:noFill/>
           <a:extLst>
             <a:ext uri="{909E8E84-426E-40dd-AFC4-6F175D3DCCD1}">
-              <a14:hiddenFill xmlns="" xmlns:a14="http://schemas.microsoft.com/office/drawing/2010/main">
+              <a14:hiddenFill xmlns:a14="http://schemas.microsoft.com/office/drawing/2010/main" xmlns="">
                 <a:solidFill>
                   <a:srgbClr val="FFFFFF"/>
                 </a:solidFill>
@@ -9145,7 +9145,7 @@
               </a:ln>
               <a:extLst>
                 <a:ext uri="{91240B29-F687-4f45-9708-019B960494DF}">
-                  <a14:hiddenLine xmlns="" xmlns:a14="http://schemas.microsoft.com/office/drawing/2010/main" w="9525">
+                  <a14:hiddenLine xmlns:a14="http://schemas.microsoft.com/office/drawing/2010/main" xmlns="" w="9525">
                     <a:solidFill>
                       <a:srgbClr val="000000"/>
                     </a:solidFill>
@@ -9235,7 +9235,7 @@
               </a:ln>
               <a:extLst>
                 <a:ext uri="{91240B29-F687-4f45-9708-019B960494DF}">
-                  <a14:hiddenLine xmlns="" xmlns:a14="http://schemas.microsoft.com/office/drawing/2010/main" w="9525">
+                  <a14:hiddenLine xmlns:a14="http://schemas.microsoft.com/office/drawing/2010/main" xmlns="" w="9525">
                     <a:solidFill>
                       <a:srgbClr val="000000"/>
                     </a:solidFill>
@@ -9325,7 +9325,7 @@
               </a:ln>
               <a:extLst>
                 <a:ext uri="{91240B29-F687-4f45-9708-019B960494DF}">
-                  <a14:hiddenLine xmlns="" xmlns:a14="http://schemas.microsoft.com/office/drawing/2010/main" w="9525">
+                  <a14:hiddenLine xmlns:a14="http://schemas.microsoft.com/office/drawing/2010/main" xmlns="" w="9525">
                     <a:solidFill>
                       <a:srgbClr val="000000"/>
                     </a:solidFill>
@@ -9387,7 +9387,7 @@
               </a:ln>
               <a:extLst>
                 <a:ext uri="{91240B29-F687-4f45-9708-019B960494DF}">
-                  <a14:hiddenLine xmlns="" xmlns:a14="http://schemas.microsoft.com/office/drawing/2010/main" w="9525">
+                  <a14:hiddenLine xmlns:a14="http://schemas.microsoft.com/office/drawing/2010/main" xmlns="" w="9525">
                     <a:solidFill>
                       <a:srgbClr val="000000"/>
                     </a:solidFill>
@@ -9477,7 +9477,7 @@
               </a:ln>
               <a:extLst>
                 <a:ext uri="{91240B29-F687-4f45-9708-019B960494DF}">
-                  <a14:hiddenLine xmlns="" xmlns:a14="http://schemas.microsoft.com/office/drawing/2010/main" w="9525">
+                  <a14:hiddenLine xmlns:a14="http://schemas.microsoft.com/office/drawing/2010/main" xmlns="" w="9525">
                     <a:solidFill>
                       <a:srgbClr val="000000"/>
                     </a:solidFill>
@@ -9539,7 +9539,7 @@
               </a:ln>
               <a:extLst>
                 <a:ext uri="{91240B29-F687-4f45-9708-019B960494DF}">
-                  <a14:hiddenLine xmlns="" xmlns:a14="http://schemas.microsoft.com/office/drawing/2010/main" w="9525">
+                  <a14:hiddenLine xmlns:a14="http://schemas.microsoft.com/office/drawing/2010/main" xmlns="" w="9525">
                     <a:solidFill>
                       <a:srgbClr val="000000"/>
                     </a:solidFill>
@@ -9601,7 +9601,7 @@
               </a:ln>
               <a:extLst>
                 <a:ext uri="{91240B29-F687-4f45-9708-019B960494DF}">
-                  <a14:hiddenLine xmlns="" xmlns:a14="http://schemas.microsoft.com/office/drawing/2010/main" w="9525">
+                  <a14:hiddenLine xmlns:a14="http://schemas.microsoft.com/office/drawing/2010/main" xmlns="" w="9525">
                     <a:solidFill>
                       <a:srgbClr val="000000"/>
                     </a:solidFill>
@@ -9691,7 +9691,7 @@
               </a:ln>
               <a:extLst>
                 <a:ext uri="{91240B29-F687-4f45-9708-019B960494DF}">
-                  <a14:hiddenLine xmlns="" xmlns:a14="http://schemas.microsoft.com/office/drawing/2010/main" w="9525">
+                  <a14:hiddenLine xmlns:a14="http://schemas.microsoft.com/office/drawing/2010/main" xmlns="" w="9525">
                     <a:solidFill>
                       <a:srgbClr val="000000"/>
                     </a:solidFill>
@@ -9781,7 +9781,7 @@
               </a:ln>
               <a:extLst>
                 <a:ext uri="{91240B29-F687-4f45-9708-019B960494DF}">
-                  <a14:hiddenLine xmlns="" xmlns:a14="http://schemas.microsoft.com/office/drawing/2010/main" w="9525">
+                  <a14:hiddenLine xmlns:a14="http://schemas.microsoft.com/office/drawing/2010/main" xmlns="" w="9525">
                     <a:solidFill>
                       <a:srgbClr val="000000"/>
                     </a:solidFill>
@@ -9843,7 +9843,7 @@
               </a:ln>
               <a:extLst>
                 <a:ext uri="{91240B29-F687-4f45-9708-019B960494DF}">
-                  <a14:hiddenLine xmlns="" xmlns:a14="http://schemas.microsoft.com/office/drawing/2010/main" w="9525">
+                  <a14:hiddenLine xmlns:a14="http://schemas.microsoft.com/office/drawing/2010/main" xmlns="" w="9525">
                     <a:solidFill>
                       <a:srgbClr val="000000"/>
                     </a:solidFill>
@@ -9953,7 +9953,7 @@
               </a:ln>
               <a:extLst>
                 <a:ext uri="{91240B29-F687-4f45-9708-019B960494DF}">
-                  <a14:hiddenLine xmlns="" xmlns:a14="http://schemas.microsoft.com/office/drawing/2010/main" w="9525">
+                  <a14:hiddenLine xmlns:a14="http://schemas.microsoft.com/office/drawing/2010/main" xmlns="" w="9525">
                     <a:solidFill>
                       <a:srgbClr val="000000"/>
                     </a:solidFill>
@@ -10037,7 +10037,7 @@
               </a:ln>
               <a:extLst>
                 <a:ext uri="{91240B29-F687-4f45-9708-019B960494DF}">
-                  <a14:hiddenLine xmlns="" xmlns:a14="http://schemas.microsoft.com/office/drawing/2010/main" w="9525">
+                  <a14:hiddenLine xmlns:a14="http://schemas.microsoft.com/office/drawing/2010/main" xmlns="" w="9525">
                     <a:solidFill>
                       <a:srgbClr val="000000"/>
                     </a:solidFill>
@@ -10099,7 +10099,7 @@
               </a:ln>
               <a:extLst>
                 <a:ext uri="{91240B29-F687-4f45-9708-019B960494DF}">
-                  <a14:hiddenLine xmlns="" xmlns:a14="http://schemas.microsoft.com/office/drawing/2010/main" w="9525">
+                  <a14:hiddenLine xmlns:a14="http://schemas.microsoft.com/office/drawing/2010/main" xmlns="" w="9525">
                     <a:solidFill>
                       <a:srgbClr val="000000"/>
                     </a:solidFill>
@@ -10161,7 +10161,7 @@
               </a:ln>
               <a:extLst>
                 <a:ext uri="{91240B29-F687-4f45-9708-019B960494DF}">
-                  <a14:hiddenLine xmlns="" xmlns:a14="http://schemas.microsoft.com/office/drawing/2010/main" w="9525">
+                  <a14:hiddenLine xmlns:a14="http://schemas.microsoft.com/office/drawing/2010/main" xmlns="" w="9525">
                     <a:solidFill>
                       <a:srgbClr val="000000"/>
                     </a:solidFill>
@@ -10251,7 +10251,7 @@
               </a:ln>
               <a:extLst>
                 <a:ext uri="{91240B29-F687-4f45-9708-019B960494DF}">
-                  <a14:hiddenLine xmlns="" xmlns:a14="http://schemas.microsoft.com/office/drawing/2010/main" w="9525">
+                  <a14:hiddenLine xmlns:a14="http://schemas.microsoft.com/office/drawing/2010/main" xmlns="" w="9525">
                     <a:solidFill>
                       <a:srgbClr val="000000"/>
                     </a:solidFill>
@@ -10285,7 +10285,7 @@
               </a:ln>
               <a:extLst>
                 <a:ext uri="{91240B29-F687-4f45-9708-019B960494DF}">
-                  <a14:hiddenLine xmlns="" xmlns:a14="http://schemas.microsoft.com/office/drawing/2010/main" w="9525">
+                  <a14:hiddenLine xmlns:a14="http://schemas.microsoft.com/office/drawing/2010/main" xmlns="" w="9525">
                     <a:solidFill>
                       <a:srgbClr val="000000"/>
                     </a:solidFill>
@@ -10350,7 +10350,7 @@
               </a:ln>
               <a:extLst>
                 <a:ext uri="{91240B29-F687-4f45-9708-019B960494DF}">
-                  <a14:hiddenLine xmlns="" xmlns:a14="http://schemas.microsoft.com/office/drawing/2010/main" w="9525">
+                  <a14:hiddenLine xmlns:a14="http://schemas.microsoft.com/office/drawing/2010/main" xmlns="" w="9525">
                     <a:solidFill>
                       <a:srgbClr val="000000"/>
                     </a:solidFill>
@@ -10440,7 +10440,7 @@
               </a:ln>
               <a:extLst>
                 <a:ext uri="{91240B29-F687-4f45-9708-019B960494DF}">
-                  <a14:hiddenLine xmlns="" xmlns:a14="http://schemas.microsoft.com/office/drawing/2010/main" w="9525">
+                  <a14:hiddenLine xmlns:a14="http://schemas.microsoft.com/office/drawing/2010/main" xmlns="" w="9525">
                     <a:solidFill>
                       <a:srgbClr val="000000"/>
                     </a:solidFill>
@@ -10502,7 +10502,7 @@
               </a:ln>
               <a:extLst>
                 <a:ext uri="{91240B29-F687-4f45-9708-019B960494DF}">
-                  <a14:hiddenLine xmlns="" xmlns:a14="http://schemas.microsoft.com/office/drawing/2010/main" w="9525">
+                  <a14:hiddenLine xmlns:a14="http://schemas.microsoft.com/office/drawing/2010/main" xmlns="" w="9525">
                     <a:solidFill>
                       <a:srgbClr val="000000"/>
                     </a:solidFill>
@@ -10592,7 +10592,7 @@
               </a:ln>
               <a:extLst>
                 <a:ext uri="{91240B29-F687-4f45-9708-019B960494DF}">
-                  <a14:hiddenLine xmlns="" xmlns:a14="http://schemas.microsoft.com/office/drawing/2010/main" w="9525">
+                  <a14:hiddenLine xmlns:a14="http://schemas.microsoft.com/office/drawing/2010/main" xmlns="" w="9525">
                     <a:solidFill>
                       <a:srgbClr val="000000"/>
                     </a:solidFill>
@@ -10657,7 +10657,7 @@
               </a:ln>
               <a:extLst>
                 <a:ext uri="{91240B29-F687-4f45-9708-019B960494DF}">
-                  <a14:hiddenLine xmlns="" xmlns:a14="http://schemas.microsoft.com/office/drawing/2010/main" w="9525">
+                  <a14:hiddenLine xmlns:a14="http://schemas.microsoft.com/office/drawing/2010/main" xmlns="" w="9525">
                     <a:solidFill>
                       <a:srgbClr val="000000"/>
                     </a:solidFill>
@@ -10719,7 +10719,7 @@
               </a:ln>
               <a:extLst>
                 <a:ext uri="{91240B29-F687-4f45-9708-019B960494DF}">
-                  <a14:hiddenLine xmlns="" xmlns:a14="http://schemas.microsoft.com/office/drawing/2010/main" w="9525">
+                  <a14:hiddenLine xmlns:a14="http://schemas.microsoft.com/office/drawing/2010/main" xmlns="" w="9525">
                     <a:solidFill>
                       <a:srgbClr val="000000"/>
                     </a:solidFill>
@@ -10809,7 +10809,7 @@
               </a:ln>
               <a:extLst>
                 <a:ext uri="{91240B29-F687-4f45-9708-019B960494DF}">
-                  <a14:hiddenLine xmlns="" xmlns:a14="http://schemas.microsoft.com/office/drawing/2010/main" w="9525">
+                  <a14:hiddenLine xmlns:a14="http://schemas.microsoft.com/office/drawing/2010/main" xmlns="" w="9525">
                     <a:solidFill>
                       <a:srgbClr val="000000"/>
                     </a:solidFill>
@@ -10899,7 +10899,7 @@
               </a:ln>
               <a:extLst>
                 <a:ext uri="{91240B29-F687-4f45-9708-019B960494DF}">
-                  <a14:hiddenLine xmlns="" xmlns:a14="http://schemas.microsoft.com/office/drawing/2010/main" w="9525">
+                  <a14:hiddenLine xmlns:a14="http://schemas.microsoft.com/office/drawing/2010/main" xmlns="" w="9525">
                     <a:solidFill>
                       <a:srgbClr val="000000"/>
                     </a:solidFill>
@@ -10964,7 +10964,7 @@
               </a:ln>
               <a:extLst>
                 <a:ext uri="{91240B29-F687-4f45-9708-019B960494DF}">
-                  <a14:hiddenLine xmlns="" xmlns:a14="http://schemas.microsoft.com/office/drawing/2010/main" w="9525">
+                  <a14:hiddenLine xmlns:a14="http://schemas.microsoft.com/office/drawing/2010/main" xmlns="" w="9525">
                     <a:solidFill>
                       <a:srgbClr val="000000"/>
                     </a:solidFill>
@@ -11084,7 +11084,7 @@
               </a:ln>
               <a:extLst>
                 <a:ext uri="{91240B29-F687-4f45-9708-019B960494DF}">
-                  <a14:hiddenLine xmlns="" xmlns:a14="http://schemas.microsoft.com/office/drawing/2010/main" w="9525">
+                  <a14:hiddenLine xmlns:a14="http://schemas.microsoft.com/office/drawing/2010/main" xmlns="" w="9525">
                     <a:solidFill>
                       <a:srgbClr val="000000"/>
                     </a:solidFill>
@@ -11165,7 +11165,7 @@
               </a:ln>
               <a:extLst>
                 <a:ext uri="{91240B29-F687-4f45-9708-019B960494DF}">
-                  <a14:hiddenLine xmlns="" xmlns:a14="http://schemas.microsoft.com/office/drawing/2010/main" w="9525">
+                  <a14:hiddenLine xmlns:a14="http://schemas.microsoft.com/office/drawing/2010/main" xmlns="" w="9525">
                     <a:solidFill>
                       <a:srgbClr val="000000"/>
                     </a:solidFill>
@@ -11280,7 +11280,7 @@
               </a:ln>
               <a:extLst>
                 <a:ext uri="{91240B29-F687-4f45-9708-019B960494DF}">
-                  <a14:hiddenLine xmlns="" xmlns:a14="http://schemas.microsoft.com/office/drawing/2010/main" w="9525">
+                  <a14:hiddenLine xmlns:a14="http://schemas.microsoft.com/office/drawing/2010/main" xmlns="" w="9525">
                     <a:solidFill>
                       <a:srgbClr val="000000"/>
                     </a:solidFill>
@@ -11370,7 +11370,7 @@
               </a:ln>
               <a:extLst>
                 <a:ext uri="{91240B29-F687-4f45-9708-019B960494DF}">
-                  <a14:hiddenLine xmlns="" xmlns:a14="http://schemas.microsoft.com/office/drawing/2010/main" w="9525">
+                  <a14:hiddenLine xmlns:a14="http://schemas.microsoft.com/office/drawing/2010/main" xmlns="" w="9525">
                     <a:solidFill>
                       <a:srgbClr val="000000"/>
                     </a:solidFill>
@@ -11435,7 +11435,7 @@
               </a:ln>
               <a:extLst>
                 <a:ext uri="{91240B29-F687-4f45-9708-019B960494DF}">
-                  <a14:hiddenLine xmlns="" xmlns:a14="http://schemas.microsoft.com/office/drawing/2010/main" w="9525">
+                  <a14:hiddenLine xmlns:a14="http://schemas.microsoft.com/office/drawing/2010/main" xmlns="" w="9525">
                     <a:solidFill>
                       <a:srgbClr val="000000"/>
                     </a:solidFill>
@@ -11525,7 +11525,7 @@
               </a:ln>
               <a:extLst>
                 <a:ext uri="{91240B29-F687-4f45-9708-019B960494DF}">
-                  <a14:hiddenLine xmlns="" xmlns:a14="http://schemas.microsoft.com/office/drawing/2010/main" w="9525">
+                  <a14:hiddenLine xmlns:a14="http://schemas.microsoft.com/office/drawing/2010/main" xmlns="" w="9525">
                     <a:solidFill>
                       <a:srgbClr val="000000"/>
                     </a:solidFill>
@@ -11593,7 +11593,7 @@
               </a:ln>
               <a:extLst>
                 <a:ext uri="{91240B29-F687-4f45-9708-019B960494DF}">
-                  <a14:hiddenLine xmlns="" xmlns:a14="http://schemas.microsoft.com/office/drawing/2010/main" w="9525">
+                  <a14:hiddenLine xmlns:a14="http://schemas.microsoft.com/office/drawing/2010/main" xmlns="" w="9525">
                     <a:solidFill>
                       <a:srgbClr val="000000"/>
                     </a:solidFill>
@@ -11683,7 +11683,7 @@
               </a:ln>
               <a:extLst>
                 <a:ext uri="{91240B29-F687-4f45-9708-019B960494DF}">
-                  <a14:hiddenLine xmlns="" xmlns:a14="http://schemas.microsoft.com/office/drawing/2010/main" w="9525">
+                  <a14:hiddenLine xmlns:a14="http://schemas.microsoft.com/office/drawing/2010/main" xmlns="" w="9525">
                     <a:solidFill>
                       <a:srgbClr val="000000"/>
                     </a:solidFill>
@@ -11751,7 +11751,7 @@
               </a:ln>
               <a:extLst>
                 <a:ext uri="{91240B29-F687-4f45-9708-019B960494DF}">
-                  <a14:hiddenLine xmlns="" xmlns:a14="http://schemas.microsoft.com/office/drawing/2010/main" w="9525">
+                  <a14:hiddenLine xmlns:a14="http://schemas.microsoft.com/office/drawing/2010/main" xmlns="" w="9525">
                     <a:solidFill>
                       <a:srgbClr val="000000"/>
                     </a:solidFill>
@@ -11841,7 +11841,7 @@
               </a:ln>
               <a:extLst>
                 <a:ext uri="{91240B29-F687-4f45-9708-019B960494DF}">
-                  <a14:hiddenLine xmlns="" xmlns:a14="http://schemas.microsoft.com/office/drawing/2010/main" w="9525">
+                  <a14:hiddenLine xmlns:a14="http://schemas.microsoft.com/office/drawing/2010/main" xmlns="" w="9525">
                     <a:solidFill>
                       <a:srgbClr val="000000"/>
                     </a:solidFill>
@@ -11875,7 +11875,7 @@
               </a:ln>
               <a:extLst>
                 <a:ext uri="{91240B29-F687-4f45-9708-019B960494DF}">
-                  <a14:hiddenLine xmlns="" xmlns:a14="http://schemas.microsoft.com/office/drawing/2010/main" w="9525">
+                  <a14:hiddenLine xmlns:a14="http://schemas.microsoft.com/office/drawing/2010/main" xmlns="" w="9525">
                     <a:solidFill>
                       <a:srgbClr val="000000"/>
                     </a:solidFill>
@@ -12514,8 +12514,17 @@
               <a:rPr lang="pt-BR" i="0" dirty="0">
                 <a:effectLst/>
               </a:rPr>
-              <a:t>GIORDANNY MACIEL BRAGA | </a:t>
+              <a:t>GIORDANNY MACIEL BRAGA </a:t>
             </a:r>
+            <a:r>
+              <a:rPr lang="pt-BR" i="0">
+                <a:effectLst/>
+              </a:rPr>
+              <a:t>| 1-2023126002</a:t>
+            </a:r>
+            <a:endParaRPr lang="pt-BR" i="0" dirty="0">
+              <a:effectLst/>
+            </a:endParaRPr>
           </a:p>
           <a:p>
             <a:endParaRPr lang="pt-BR" dirty="0"/>

--- a/APS-Topicos_Especiais_em_Sistemas_de_Informacao.pptx
+++ b/APS-Topicos_Especiais_em_Sistemas_de_Informacao.pptx
@@ -172,7 +172,7 @@
           <a:noFill/>
           <a:extLst>
             <a:ext uri="{909E8E84-426E-40dd-AFC4-6F175D3DCCD1}">
-              <a14:hiddenFill xmlns:a14="http://schemas.microsoft.com/office/drawing/2010/main" xmlns="">
+              <a14:hiddenFill xmlns="" xmlns:a14="http://schemas.microsoft.com/office/drawing/2010/main">
                 <a:solidFill>
                   <a:srgbClr val="FFFFFF"/>
                 </a:solidFill>
@@ -231,7 +231,7 @@
             </a:ln>
             <a:extLst>
               <a:ext uri="{91240B29-F687-4f45-9708-019B960494DF}">
-                <a14:hiddenLine xmlns:a14="http://schemas.microsoft.com/office/drawing/2010/main" xmlns="" w="9525">
+                <a14:hiddenLine xmlns="" xmlns:a14="http://schemas.microsoft.com/office/drawing/2010/main" w="9525">
                   <a:solidFill>
                     <a:srgbClr val="000000"/>
                   </a:solidFill>
@@ -321,7 +321,7 @@
             </a:ln>
             <a:extLst>
               <a:ext uri="{91240B29-F687-4f45-9708-019B960494DF}">
-                <a14:hiddenLine xmlns:a14="http://schemas.microsoft.com/office/drawing/2010/main" xmlns="" w="9525">
+                <a14:hiddenLine xmlns="" xmlns:a14="http://schemas.microsoft.com/office/drawing/2010/main" w="9525">
                   <a:solidFill>
                     <a:srgbClr val="000000"/>
                   </a:solidFill>
@@ -411,7 +411,7 @@
             </a:ln>
             <a:extLst>
               <a:ext uri="{91240B29-F687-4f45-9708-019B960494DF}">
-                <a14:hiddenLine xmlns:a14="http://schemas.microsoft.com/office/drawing/2010/main" xmlns="" w="9525">
+                <a14:hiddenLine xmlns="" xmlns:a14="http://schemas.microsoft.com/office/drawing/2010/main" w="9525">
                   <a:solidFill>
                     <a:srgbClr val="000000"/>
                   </a:solidFill>
@@ -445,7 +445,7 @@
             </a:ln>
             <a:extLst>
               <a:ext uri="{91240B29-F687-4f45-9708-019B960494DF}">
-                <a14:hiddenLine xmlns:a14="http://schemas.microsoft.com/office/drawing/2010/main" xmlns="" w="9525">
+                <a14:hiddenLine xmlns="" xmlns:a14="http://schemas.microsoft.com/office/drawing/2010/main" w="9525">
                   <a:solidFill>
                     <a:srgbClr val="000000"/>
                   </a:solidFill>
@@ -535,7 +535,7 @@
             </a:ln>
             <a:extLst>
               <a:ext uri="{91240B29-F687-4f45-9708-019B960494DF}">
-                <a14:hiddenLine xmlns:a14="http://schemas.microsoft.com/office/drawing/2010/main" xmlns="" w="9525">
+                <a14:hiddenLine xmlns="" xmlns:a14="http://schemas.microsoft.com/office/drawing/2010/main" w="9525">
                   <a:solidFill>
                     <a:srgbClr val="000000"/>
                   </a:solidFill>
@@ -597,7 +597,7 @@
             </a:ln>
             <a:extLst>
               <a:ext uri="{91240B29-F687-4f45-9708-019B960494DF}">
-                <a14:hiddenLine xmlns:a14="http://schemas.microsoft.com/office/drawing/2010/main" xmlns="" w="9525">
+                <a14:hiddenLine xmlns="" xmlns:a14="http://schemas.microsoft.com/office/drawing/2010/main" w="9525">
                   <a:solidFill>
                     <a:srgbClr val="000000"/>
                   </a:solidFill>
@@ -659,7 +659,7 @@
             </a:ln>
             <a:extLst>
               <a:ext uri="{91240B29-F687-4f45-9708-019B960494DF}">
-                <a14:hiddenLine xmlns:a14="http://schemas.microsoft.com/office/drawing/2010/main" xmlns="" w="9525">
+                <a14:hiddenLine xmlns="" xmlns:a14="http://schemas.microsoft.com/office/drawing/2010/main" w="9525">
                   <a:solidFill>
                     <a:srgbClr val="000000"/>
                   </a:solidFill>
@@ -749,7 +749,7 @@
             </a:ln>
             <a:extLst>
               <a:ext uri="{91240B29-F687-4f45-9708-019B960494DF}">
-                <a14:hiddenLine xmlns:a14="http://schemas.microsoft.com/office/drawing/2010/main" xmlns="" w="9525">
+                <a14:hiddenLine xmlns="" xmlns:a14="http://schemas.microsoft.com/office/drawing/2010/main" w="9525">
                   <a:solidFill>
                     <a:srgbClr val="000000"/>
                   </a:solidFill>
@@ -811,7 +811,7 @@
             </a:ln>
             <a:extLst>
               <a:ext uri="{91240B29-F687-4f45-9708-019B960494DF}">
-                <a14:hiddenLine xmlns:a14="http://schemas.microsoft.com/office/drawing/2010/main" xmlns="" w="9525">
+                <a14:hiddenLine xmlns="" xmlns:a14="http://schemas.microsoft.com/office/drawing/2010/main" w="9525">
                   <a:solidFill>
                     <a:srgbClr val="000000"/>
                   </a:solidFill>
@@ -873,7 +873,7 @@
             </a:ln>
             <a:extLst>
               <a:ext uri="{91240B29-F687-4f45-9708-019B960494DF}">
-                <a14:hiddenLine xmlns:a14="http://schemas.microsoft.com/office/drawing/2010/main" xmlns="" w="9525">
+                <a14:hiddenLine xmlns="" xmlns:a14="http://schemas.microsoft.com/office/drawing/2010/main" w="9525">
                   <a:solidFill>
                     <a:srgbClr val="000000"/>
                   </a:solidFill>
@@ -963,7 +963,7 @@
             </a:ln>
             <a:extLst>
               <a:ext uri="{91240B29-F687-4f45-9708-019B960494DF}">
-                <a14:hiddenLine xmlns:a14="http://schemas.microsoft.com/office/drawing/2010/main" xmlns="" w="9525">
+                <a14:hiddenLine xmlns="" xmlns:a14="http://schemas.microsoft.com/office/drawing/2010/main" w="9525">
                   <a:solidFill>
                     <a:srgbClr val="000000"/>
                   </a:solidFill>
@@ -1053,7 +1053,7 @@
             </a:ln>
             <a:extLst>
               <a:ext uri="{91240B29-F687-4f45-9708-019B960494DF}">
-                <a14:hiddenLine xmlns:a14="http://schemas.microsoft.com/office/drawing/2010/main" xmlns="" w="9525">
+                <a14:hiddenLine xmlns="" xmlns:a14="http://schemas.microsoft.com/office/drawing/2010/main" w="9525">
                   <a:solidFill>
                     <a:srgbClr val="000000"/>
                   </a:solidFill>
@@ -1115,7 +1115,7 @@
             </a:ln>
             <a:extLst>
               <a:ext uri="{91240B29-F687-4f45-9708-019B960494DF}">
-                <a14:hiddenLine xmlns:a14="http://schemas.microsoft.com/office/drawing/2010/main" xmlns="" w="9525">
+                <a14:hiddenLine xmlns="" xmlns:a14="http://schemas.microsoft.com/office/drawing/2010/main" w="9525">
                   <a:solidFill>
                     <a:srgbClr val="000000"/>
                   </a:solidFill>
@@ -1225,7 +1225,7 @@
             </a:ln>
             <a:extLst>
               <a:ext uri="{91240B29-F687-4f45-9708-019B960494DF}">
-                <a14:hiddenLine xmlns:a14="http://schemas.microsoft.com/office/drawing/2010/main" xmlns="" w="9525">
+                <a14:hiddenLine xmlns="" xmlns:a14="http://schemas.microsoft.com/office/drawing/2010/main" w="9525">
                   <a:solidFill>
                     <a:srgbClr val="000000"/>
                   </a:solidFill>
@@ -1287,7 +1287,7 @@
             </a:ln>
             <a:extLst>
               <a:ext uri="{91240B29-F687-4f45-9708-019B960494DF}">
-                <a14:hiddenLine xmlns:a14="http://schemas.microsoft.com/office/drawing/2010/main" xmlns="" w="9525">
+                <a14:hiddenLine xmlns="" xmlns:a14="http://schemas.microsoft.com/office/drawing/2010/main" w="9525">
                   <a:solidFill>
                     <a:srgbClr val="000000"/>
                   </a:solidFill>
@@ -1377,7 +1377,7 @@
             </a:ln>
             <a:extLst>
               <a:ext uri="{91240B29-F687-4f45-9708-019B960494DF}">
-                <a14:hiddenLine xmlns:a14="http://schemas.microsoft.com/office/drawing/2010/main" xmlns="" w="9525">
+                <a14:hiddenLine xmlns="" xmlns:a14="http://schemas.microsoft.com/office/drawing/2010/main" w="9525">
                   <a:solidFill>
                     <a:srgbClr val="000000"/>
                   </a:solidFill>
@@ -1467,7 +1467,7 @@
             </a:ln>
             <a:extLst>
               <a:ext uri="{91240B29-F687-4f45-9708-019B960494DF}">
-                <a14:hiddenLine xmlns:a14="http://schemas.microsoft.com/office/drawing/2010/main" xmlns="" w="9525">
+                <a14:hiddenLine xmlns="" xmlns:a14="http://schemas.microsoft.com/office/drawing/2010/main" w="9525">
                   <a:solidFill>
                     <a:srgbClr val="000000"/>
                   </a:solidFill>
@@ -1529,7 +1529,7 @@
             </a:ln>
             <a:extLst>
               <a:ext uri="{91240B29-F687-4f45-9708-019B960494DF}">
-                <a14:hiddenLine xmlns:a14="http://schemas.microsoft.com/office/drawing/2010/main" xmlns="" w="9525">
+                <a14:hiddenLine xmlns="" xmlns:a14="http://schemas.microsoft.com/office/drawing/2010/main" w="9525">
                   <a:solidFill>
                     <a:srgbClr val="000000"/>
                   </a:solidFill>
@@ -1619,7 +1619,7 @@
             </a:ln>
             <a:extLst>
               <a:ext uri="{91240B29-F687-4f45-9708-019B960494DF}">
-                <a14:hiddenLine xmlns:a14="http://schemas.microsoft.com/office/drawing/2010/main" xmlns="" w="9525">
+                <a14:hiddenLine xmlns="" xmlns:a14="http://schemas.microsoft.com/office/drawing/2010/main" w="9525">
                   <a:solidFill>
                     <a:srgbClr val="000000"/>
                   </a:solidFill>
@@ -1709,7 +1709,7 @@
             </a:ln>
             <a:extLst>
               <a:ext uri="{91240B29-F687-4f45-9708-019B960494DF}">
-                <a14:hiddenLine xmlns:a14="http://schemas.microsoft.com/office/drawing/2010/main" xmlns="" w="9525">
+                <a14:hiddenLine xmlns="" xmlns:a14="http://schemas.microsoft.com/office/drawing/2010/main" w="9525">
                   <a:solidFill>
                     <a:srgbClr val="000000"/>
                   </a:solidFill>
@@ -1765,7 +1765,7 @@
             </a:ln>
             <a:extLst>
               <a:ext uri="{91240B29-F687-4f45-9708-019B960494DF}">
-                <a14:hiddenLine xmlns:a14="http://schemas.microsoft.com/office/drawing/2010/main" xmlns="" w="9525">
+                <a14:hiddenLine xmlns="" xmlns:a14="http://schemas.microsoft.com/office/drawing/2010/main" w="9525">
                   <a:solidFill>
                     <a:srgbClr val="000000"/>
                   </a:solidFill>
@@ -1855,7 +1855,7 @@
             </a:ln>
             <a:extLst>
               <a:ext uri="{91240B29-F687-4f45-9708-019B960494DF}">
-                <a14:hiddenLine xmlns:a14="http://schemas.microsoft.com/office/drawing/2010/main" xmlns="" w="9525">
+                <a14:hiddenLine xmlns="" xmlns:a14="http://schemas.microsoft.com/office/drawing/2010/main" w="9525">
                   <a:solidFill>
                     <a:srgbClr val="000000"/>
                   </a:solidFill>
@@ -1911,7 +1911,7 @@
             </a:ln>
             <a:extLst>
               <a:ext uri="{91240B29-F687-4f45-9708-019B960494DF}">
-                <a14:hiddenLine xmlns:a14="http://schemas.microsoft.com/office/drawing/2010/main" xmlns="" w="9525">
+                <a14:hiddenLine xmlns="" xmlns:a14="http://schemas.microsoft.com/office/drawing/2010/main" w="9525">
                   <a:solidFill>
                     <a:srgbClr val="000000"/>
                   </a:solidFill>
@@ -2001,7 +2001,7 @@
             </a:ln>
             <a:extLst>
               <a:ext uri="{91240B29-F687-4f45-9708-019B960494DF}">
-                <a14:hiddenLine xmlns:a14="http://schemas.microsoft.com/office/drawing/2010/main" xmlns="" w="9525">
+                <a14:hiddenLine xmlns="" xmlns:a14="http://schemas.microsoft.com/office/drawing/2010/main" w="9525">
                   <a:solidFill>
                     <a:srgbClr val="000000"/>
                   </a:solidFill>
@@ -2069,7 +2069,7 @@
             </a:ln>
             <a:extLst>
               <a:ext uri="{91240B29-F687-4f45-9708-019B960494DF}">
-                <a14:hiddenLine xmlns:a14="http://schemas.microsoft.com/office/drawing/2010/main" xmlns="" w="9525">
+                <a14:hiddenLine xmlns="" xmlns:a14="http://schemas.microsoft.com/office/drawing/2010/main" w="9525">
                   <a:solidFill>
                     <a:srgbClr val="000000"/>
                   </a:solidFill>
@@ -2159,7 +2159,7 @@
             </a:ln>
             <a:extLst>
               <a:ext uri="{91240B29-F687-4f45-9708-019B960494DF}">
-                <a14:hiddenLine xmlns:a14="http://schemas.microsoft.com/office/drawing/2010/main" xmlns="" w="9525">
+                <a14:hiddenLine xmlns="" xmlns:a14="http://schemas.microsoft.com/office/drawing/2010/main" w="9525">
                   <a:solidFill>
                     <a:srgbClr val="000000"/>
                   </a:solidFill>
@@ -2227,7 +2227,7 @@
             </a:ln>
             <a:extLst>
               <a:ext uri="{91240B29-F687-4f45-9708-019B960494DF}">
-                <a14:hiddenLine xmlns:a14="http://schemas.microsoft.com/office/drawing/2010/main" xmlns="" w="9525">
+                <a14:hiddenLine xmlns="" xmlns:a14="http://schemas.microsoft.com/office/drawing/2010/main" w="9525">
                   <a:solidFill>
                     <a:srgbClr val="000000"/>
                   </a:solidFill>
@@ -2317,7 +2317,7 @@
             </a:ln>
             <a:extLst>
               <a:ext uri="{91240B29-F687-4f45-9708-019B960494DF}">
-                <a14:hiddenLine xmlns:a14="http://schemas.microsoft.com/office/drawing/2010/main" xmlns="" w="9525">
+                <a14:hiddenLine xmlns="" xmlns:a14="http://schemas.microsoft.com/office/drawing/2010/main" w="9525">
                   <a:solidFill>
                     <a:srgbClr val="000000"/>
                   </a:solidFill>
@@ -2351,7 +2351,7 @@
             </a:ln>
             <a:extLst>
               <a:ext uri="{91240B29-F687-4f45-9708-019B960494DF}">
-                <a14:hiddenLine xmlns:a14="http://schemas.microsoft.com/office/drawing/2010/main" xmlns="" w="9525">
+                <a14:hiddenLine xmlns="" xmlns:a14="http://schemas.microsoft.com/office/drawing/2010/main" w="9525">
                   <a:solidFill>
                     <a:srgbClr val="000000"/>
                   </a:solidFill>
@@ -2441,7 +2441,7 @@
             </a:ln>
             <a:extLst>
               <a:ext uri="{91240B29-F687-4f45-9708-019B960494DF}">
-                <a14:hiddenLine xmlns:a14="http://schemas.microsoft.com/office/drawing/2010/main" xmlns="" w="9525">
+                <a14:hiddenLine xmlns="" xmlns:a14="http://schemas.microsoft.com/office/drawing/2010/main" w="9525">
                   <a:solidFill>
                     <a:srgbClr val="000000"/>
                   </a:solidFill>
@@ -2503,7 +2503,7 @@
             </a:ln>
             <a:extLst>
               <a:ext uri="{91240B29-F687-4f45-9708-019B960494DF}">
-                <a14:hiddenLine xmlns:a14="http://schemas.microsoft.com/office/drawing/2010/main" xmlns="" w="9525">
+                <a14:hiddenLine xmlns="" xmlns:a14="http://schemas.microsoft.com/office/drawing/2010/main" w="9525">
                   <a:solidFill>
                     <a:srgbClr val="000000"/>
                   </a:solidFill>
@@ -2565,7 +2565,7 @@
             </a:ln>
             <a:extLst>
               <a:ext uri="{91240B29-F687-4f45-9708-019B960494DF}">
-                <a14:hiddenLine xmlns:a14="http://schemas.microsoft.com/office/drawing/2010/main" xmlns="" w="9525">
+                <a14:hiddenLine xmlns="" xmlns:a14="http://schemas.microsoft.com/office/drawing/2010/main" w="9525">
                   <a:solidFill>
                     <a:srgbClr val="000000"/>
                   </a:solidFill>
@@ -2655,7 +2655,7 @@
             </a:ln>
             <a:extLst>
               <a:ext uri="{91240B29-F687-4f45-9708-019B960494DF}">
-                <a14:hiddenLine xmlns:a14="http://schemas.microsoft.com/office/drawing/2010/main" xmlns="" w="9525">
+                <a14:hiddenLine xmlns="" xmlns:a14="http://schemas.microsoft.com/office/drawing/2010/main" w="9525">
                   <a:solidFill>
                     <a:srgbClr val="000000"/>
                   </a:solidFill>
@@ -2723,7 +2723,7 @@
             </a:ln>
             <a:extLst>
               <a:ext uri="{91240B29-F687-4f45-9708-019B960494DF}">
-                <a14:hiddenLine xmlns:a14="http://schemas.microsoft.com/office/drawing/2010/main" xmlns="" w="9525">
+                <a14:hiddenLine xmlns="" xmlns:a14="http://schemas.microsoft.com/office/drawing/2010/main" w="9525">
                   <a:solidFill>
                     <a:srgbClr val="000000"/>
                   </a:solidFill>
@@ -2785,7 +2785,7 @@
             </a:ln>
             <a:extLst>
               <a:ext uri="{91240B29-F687-4f45-9708-019B960494DF}">
-                <a14:hiddenLine xmlns:a14="http://schemas.microsoft.com/office/drawing/2010/main" xmlns="" w="9525">
+                <a14:hiddenLine xmlns="" xmlns:a14="http://schemas.microsoft.com/office/drawing/2010/main" w="9525">
                   <a:solidFill>
                     <a:srgbClr val="000000"/>
                   </a:solidFill>
@@ -2875,7 +2875,7 @@
             </a:ln>
             <a:extLst>
               <a:ext uri="{91240B29-F687-4f45-9708-019B960494DF}">
-                <a14:hiddenLine xmlns:a14="http://schemas.microsoft.com/office/drawing/2010/main" xmlns="" w="9525">
+                <a14:hiddenLine xmlns="" xmlns:a14="http://schemas.microsoft.com/office/drawing/2010/main" w="9525">
                   <a:solidFill>
                     <a:srgbClr val="000000"/>
                   </a:solidFill>
@@ -2937,7 +2937,7 @@
             </a:ln>
             <a:extLst>
               <a:ext uri="{91240B29-F687-4f45-9708-019B960494DF}">
-                <a14:hiddenLine xmlns:a14="http://schemas.microsoft.com/office/drawing/2010/main" xmlns="" w="9525">
+                <a14:hiddenLine xmlns="" xmlns:a14="http://schemas.microsoft.com/office/drawing/2010/main" w="9525">
                   <a:solidFill>
                     <a:srgbClr val="000000"/>
                   </a:solidFill>
@@ -3027,7 +3027,7 @@
             </a:ln>
             <a:extLst>
               <a:ext uri="{91240B29-F687-4f45-9708-019B960494DF}">
-                <a14:hiddenLine xmlns:a14="http://schemas.microsoft.com/office/drawing/2010/main" xmlns="" w="9525">
+                <a14:hiddenLine xmlns="" xmlns:a14="http://schemas.microsoft.com/office/drawing/2010/main" w="9525">
                   <a:solidFill>
                     <a:srgbClr val="000000"/>
                   </a:solidFill>
@@ -3089,7 +3089,7 @@
             </a:ln>
             <a:extLst>
               <a:ext uri="{91240B29-F687-4f45-9708-019B960494DF}">
-                <a14:hiddenLine xmlns:a14="http://schemas.microsoft.com/office/drawing/2010/main" xmlns="" w="9525">
+                <a14:hiddenLine xmlns="" xmlns:a14="http://schemas.microsoft.com/office/drawing/2010/main" w="9525">
                   <a:solidFill>
                     <a:srgbClr val="000000"/>
                   </a:solidFill>
@@ -3179,7 +3179,7 @@
             </a:ln>
             <a:extLst>
               <a:ext uri="{91240B29-F687-4f45-9708-019B960494DF}">
-                <a14:hiddenLine xmlns:a14="http://schemas.microsoft.com/office/drawing/2010/main" xmlns="" w="9525">
+                <a14:hiddenLine xmlns="" xmlns:a14="http://schemas.microsoft.com/office/drawing/2010/main" w="9525">
                   <a:solidFill>
                     <a:srgbClr val="000000"/>
                   </a:solidFill>
@@ -3213,7 +3213,7 @@
             </a:ln>
             <a:extLst>
               <a:ext uri="{91240B29-F687-4f45-9708-019B960494DF}">
-                <a14:hiddenLine xmlns:a14="http://schemas.microsoft.com/office/drawing/2010/main" xmlns="" w="9525">
+                <a14:hiddenLine xmlns="" xmlns:a14="http://schemas.microsoft.com/office/drawing/2010/main" w="9525">
                   <a:solidFill>
                     <a:srgbClr val="000000"/>
                   </a:solidFill>
@@ -3278,7 +3278,7 @@
             </a:ln>
             <a:extLst>
               <a:ext uri="{91240B29-F687-4f45-9708-019B960494DF}">
-                <a14:hiddenLine xmlns:a14="http://schemas.microsoft.com/office/drawing/2010/main" xmlns="" w="9525">
+                <a14:hiddenLine xmlns="" xmlns:a14="http://schemas.microsoft.com/office/drawing/2010/main" w="9525">
                   <a:solidFill>
                     <a:srgbClr val="000000"/>
                   </a:solidFill>
@@ -3368,7 +3368,7 @@
             </a:ln>
             <a:extLst>
               <a:ext uri="{91240B29-F687-4f45-9708-019B960494DF}">
-                <a14:hiddenLine xmlns:a14="http://schemas.microsoft.com/office/drawing/2010/main" xmlns="" w="9525">
+                <a14:hiddenLine xmlns="" xmlns:a14="http://schemas.microsoft.com/office/drawing/2010/main" w="9525">
                   <a:solidFill>
                     <a:srgbClr val="000000"/>
                   </a:solidFill>
@@ -3430,7 +3430,7 @@
             </a:ln>
             <a:extLst>
               <a:ext uri="{91240B29-F687-4f45-9708-019B960494DF}">
-                <a14:hiddenLine xmlns:a14="http://schemas.microsoft.com/office/drawing/2010/main" xmlns="" w="9525">
+                <a14:hiddenLine xmlns="" xmlns:a14="http://schemas.microsoft.com/office/drawing/2010/main" w="9525">
                   <a:solidFill>
                     <a:srgbClr val="000000"/>
                   </a:solidFill>
@@ -3520,7 +3520,7 @@
             </a:ln>
             <a:extLst>
               <a:ext uri="{91240B29-F687-4f45-9708-019B960494DF}">
-                <a14:hiddenLine xmlns:a14="http://schemas.microsoft.com/office/drawing/2010/main" xmlns="" w="9525">
+                <a14:hiddenLine xmlns="" xmlns:a14="http://schemas.microsoft.com/office/drawing/2010/main" w="9525">
                   <a:solidFill>
                     <a:srgbClr val="000000"/>
                   </a:solidFill>
@@ -3610,7 +3610,7 @@
             </a:ln>
             <a:extLst>
               <a:ext uri="{91240B29-F687-4f45-9708-019B960494DF}">
-                <a14:hiddenLine xmlns:a14="http://schemas.microsoft.com/office/drawing/2010/main" xmlns="" w="9525">
+                <a14:hiddenLine xmlns="" xmlns:a14="http://schemas.microsoft.com/office/drawing/2010/main" w="9525">
                   <a:solidFill>
                     <a:srgbClr val="000000"/>
                   </a:solidFill>
@@ -3675,7 +3675,7 @@
             </a:ln>
             <a:extLst>
               <a:ext uri="{91240B29-F687-4f45-9708-019B960494DF}">
-                <a14:hiddenLine xmlns:a14="http://schemas.microsoft.com/office/drawing/2010/main" xmlns="" w="9525">
+                <a14:hiddenLine xmlns="" xmlns:a14="http://schemas.microsoft.com/office/drawing/2010/main" w="9525">
                   <a:solidFill>
                     <a:srgbClr val="000000"/>
                   </a:solidFill>
@@ -3737,7 +3737,7 @@
             </a:ln>
             <a:extLst>
               <a:ext uri="{91240B29-F687-4f45-9708-019B960494DF}">
-                <a14:hiddenLine xmlns:a14="http://schemas.microsoft.com/office/drawing/2010/main" xmlns="" w="9525">
+                <a14:hiddenLine xmlns="" xmlns:a14="http://schemas.microsoft.com/office/drawing/2010/main" w="9525">
                   <a:solidFill>
                     <a:srgbClr val="000000"/>
                   </a:solidFill>
@@ -3827,7 +3827,7 @@
             </a:ln>
             <a:extLst>
               <a:ext uri="{91240B29-F687-4f45-9708-019B960494DF}">
-                <a14:hiddenLine xmlns:a14="http://schemas.microsoft.com/office/drawing/2010/main" xmlns="" w="9525">
+                <a14:hiddenLine xmlns="" xmlns:a14="http://schemas.microsoft.com/office/drawing/2010/main" w="9525">
                   <a:solidFill>
                     <a:srgbClr val="000000"/>
                   </a:solidFill>
@@ -3917,7 +3917,7 @@
             </a:ln>
             <a:extLst>
               <a:ext uri="{91240B29-F687-4f45-9708-019B960494DF}">
-                <a14:hiddenLine xmlns:a14="http://schemas.microsoft.com/office/drawing/2010/main" xmlns="" w="9525">
+                <a14:hiddenLine xmlns="" xmlns:a14="http://schemas.microsoft.com/office/drawing/2010/main" w="9525">
                   <a:solidFill>
                     <a:srgbClr val="000000"/>
                   </a:solidFill>
@@ -3979,7 +3979,7 @@
             </a:ln>
             <a:extLst>
               <a:ext uri="{91240B29-F687-4f45-9708-019B960494DF}">
-                <a14:hiddenLine xmlns:a14="http://schemas.microsoft.com/office/drawing/2010/main" xmlns="" w="9525">
+                <a14:hiddenLine xmlns="" xmlns:a14="http://schemas.microsoft.com/office/drawing/2010/main" w="9525">
                   <a:solidFill>
                     <a:srgbClr val="000000"/>
                   </a:solidFill>
@@ -4099,7 +4099,7 @@
             </a:ln>
             <a:extLst>
               <a:ext uri="{91240B29-F687-4f45-9708-019B960494DF}">
-                <a14:hiddenLine xmlns:a14="http://schemas.microsoft.com/office/drawing/2010/main" xmlns="" w="9525">
+                <a14:hiddenLine xmlns="" xmlns:a14="http://schemas.microsoft.com/office/drawing/2010/main" w="9525">
                   <a:solidFill>
                     <a:srgbClr val="000000"/>
                   </a:solidFill>
@@ -4167,7 +4167,7 @@
             </a:ln>
             <a:extLst>
               <a:ext uri="{91240B29-F687-4f45-9708-019B960494DF}">
-                <a14:hiddenLine xmlns:a14="http://schemas.microsoft.com/office/drawing/2010/main" xmlns="" w="9525">
+                <a14:hiddenLine xmlns="" xmlns:a14="http://schemas.microsoft.com/office/drawing/2010/main" w="9525">
                   <a:solidFill>
                     <a:srgbClr val="000000"/>
                   </a:solidFill>
@@ -4257,7 +4257,7 @@
             </a:ln>
             <a:extLst>
               <a:ext uri="{91240B29-F687-4f45-9708-019B960494DF}">
-                <a14:hiddenLine xmlns:a14="http://schemas.microsoft.com/office/drawing/2010/main" xmlns="" w="9525">
+                <a14:hiddenLine xmlns="" xmlns:a14="http://schemas.microsoft.com/office/drawing/2010/main" w="9525">
                   <a:solidFill>
                     <a:srgbClr val="000000"/>
                   </a:solidFill>
@@ -4397,7 +4397,7 @@
           <a:p>
             <a:fld id="{3E997F11-F380-4CE0-895A-BEEAB10E26E6}" type="datetimeFigureOut">
               <a:rPr lang="pt-BR" smtClean="0"/>
-              <a:t>09/05/2025</a:t>
+              <a:t>11/05/2025</a:t>
             </a:fld>
             <a:endParaRPr lang="pt-BR"/>
           </a:p>
@@ -4664,7 +4664,7 @@
           <a:p>
             <a:fld id="{3E997F11-F380-4CE0-895A-BEEAB10E26E6}" type="datetimeFigureOut">
               <a:rPr lang="pt-BR" smtClean="0"/>
-              <a:t>09/05/2025</a:t>
+              <a:t>11/05/2025</a:t>
             </a:fld>
             <a:endParaRPr lang="pt-BR"/>
           </a:p>
@@ -4860,7 +4860,7 @@
           <a:p>
             <a:fld id="{3E997F11-F380-4CE0-895A-BEEAB10E26E6}" type="datetimeFigureOut">
               <a:rPr lang="pt-BR" smtClean="0"/>
-              <a:t>09/05/2025</a:t>
+              <a:t>11/05/2025</a:t>
             </a:fld>
             <a:endParaRPr lang="pt-BR"/>
           </a:p>
@@ -5123,7 +5123,7 @@
           <a:p>
             <a:fld id="{3E997F11-F380-4CE0-895A-BEEAB10E26E6}" type="datetimeFigureOut">
               <a:rPr lang="pt-BR" smtClean="0"/>
-              <a:t>09/05/2025</a:t>
+              <a:t>11/05/2025</a:t>
             </a:fld>
             <a:endParaRPr lang="pt-BR"/>
           </a:p>
@@ -5557,7 +5557,7 @@
           <a:p>
             <a:fld id="{3E997F11-F380-4CE0-895A-BEEAB10E26E6}" type="datetimeFigureOut">
               <a:rPr lang="pt-BR" smtClean="0"/>
-              <a:t>09/05/2025</a:t>
+              <a:t>11/05/2025</a:t>
             </a:fld>
             <a:endParaRPr lang="pt-BR"/>
           </a:p>
@@ -6103,7 +6103,7 @@
           <a:p>
             <a:fld id="{3E997F11-F380-4CE0-895A-BEEAB10E26E6}" type="datetimeFigureOut">
               <a:rPr lang="pt-BR" smtClean="0"/>
-              <a:t>09/05/2025</a:t>
+              <a:t>11/05/2025</a:t>
             </a:fld>
             <a:endParaRPr lang="pt-BR"/>
           </a:p>
@@ -6823,7 +6823,7 @@
           <a:p>
             <a:fld id="{3E997F11-F380-4CE0-895A-BEEAB10E26E6}" type="datetimeFigureOut">
               <a:rPr lang="pt-BR" smtClean="0"/>
-              <a:t>09/05/2025</a:t>
+              <a:t>11/05/2025</a:t>
             </a:fld>
             <a:endParaRPr lang="pt-BR"/>
           </a:p>
@@ -6993,7 +6993,7 @@
           <a:p>
             <a:fld id="{3E997F11-F380-4CE0-895A-BEEAB10E26E6}" type="datetimeFigureOut">
               <a:rPr lang="pt-BR" smtClean="0"/>
-              <a:t>09/05/2025</a:t>
+              <a:t>11/05/2025</a:t>
             </a:fld>
             <a:endParaRPr lang="pt-BR"/>
           </a:p>
@@ -7173,7 +7173,7 @@
           <a:p>
             <a:fld id="{3E997F11-F380-4CE0-895A-BEEAB10E26E6}" type="datetimeFigureOut">
               <a:rPr lang="pt-BR" smtClean="0"/>
-              <a:t>09/05/2025</a:t>
+              <a:t>11/05/2025</a:t>
             </a:fld>
             <a:endParaRPr lang="pt-BR"/>
           </a:p>
@@ -7343,7 +7343,7 @@
           <a:p>
             <a:fld id="{3E997F11-F380-4CE0-895A-BEEAB10E26E6}" type="datetimeFigureOut">
               <a:rPr lang="pt-BR" smtClean="0"/>
-              <a:t>09/05/2025</a:t>
+              <a:t>11/05/2025</a:t>
             </a:fld>
             <a:endParaRPr lang="pt-BR"/>
           </a:p>
@@ -7593,7 +7593,7 @@
           <a:p>
             <a:fld id="{3E997F11-F380-4CE0-895A-BEEAB10E26E6}" type="datetimeFigureOut">
               <a:rPr lang="pt-BR" smtClean="0"/>
-              <a:t>09/05/2025</a:t>
+              <a:t>11/05/2025</a:t>
             </a:fld>
             <a:endParaRPr lang="pt-BR"/>
           </a:p>
@@ -7825,7 +7825,7 @@
           <a:p>
             <a:fld id="{3E997F11-F380-4CE0-895A-BEEAB10E26E6}" type="datetimeFigureOut">
               <a:rPr lang="pt-BR" smtClean="0"/>
-              <a:t>09/05/2025</a:t>
+              <a:t>11/05/2025</a:t>
             </a:fld>
             <a:endParaRPr lang="pt-BR"/>
           </a:p>
@@ -8206,7 +8206,7 @@
           <a:p>
             <a:fld id="{3E997F11-F380-4CE0-895A-BEEAB10E26E6}" type="datetimeFigureOut">
               <a:rPr lang="pt-BR" smtClean="0"/>
-              <a:t>09/05/2025</a:t>
+              <a:t>11/05/2025</a:t>
             </a:fld>
             <a:endParaRPr lang="pt-BR"/>
           </a:p>
@@ -8324,7 +8324,7 @@
           <a:p>
             <a:fld id="{3E997F11-F380-4CE0-895A-BEEAB10E26E6}" type="datetimeFigureOut">
               <a:rPr lang="pt-BR" smtClean="0"/>
-              <a:t>09/05/2025</a:t>
+              <a:t>11/05/2025</a:t>
             </a:fld>
             <a:endParaRPr lang="pt-BR"/>
           </a:p>
@@ -8419,7 +8419,7 @@
           <a:p>
             <a:fld id="{3E997F11-F380-4CE0-895A-BEEAB10E26E6}" type="datetimeFigureOut">
               <a:rPr lang="pt-BR" smtClean="0"/>
-              <a:t>09/05/2025</a:t>
+              <a:t>11/05/2025</a:t>
             </a:fld>
             <a:endParaRPr lang="pt-BR"/>
           </a:p>
@@ -8668,7 +8668,7 @@
           <a:p>
             <a:fld id="{3E997F11-F380-4CE0-895A-BEEAB10E26E6}" type="datetimeFigureOut">
               <a:rPr lang="pt-BR" smtClean="0"/>
-              <a:t>09/05/2025</a:t>
+              <a:t>11/05/2025</a:t>
             </a:fld>
             <a:endParaRPr lang="pt-BR"/>
           </a:p>
@@ -8948,7 +8948,7 @@
           <a:p>
             <a:fld id="{3E997F11-F380-4CE0-895A-BEEAB10E26E6}" type="datetimeFigureOut">
               <a:rPr lang="pt-BR" smtClean="0"/>
-              <a:t>09/05/2025</a:t>
+              <a:t>11/05/2025</a:t>
             </a:fld>
             <a:endParaRPr lang="pt-BR"/>
           </a:p>
@@ -9071,7 +9071,7 @@
           <a:noFill/>
           <a:extLst>
             <a:ext uri="{909E8E84-426E-40dd-AFC4-6F175D3DCCD1}">
-              <a14:hiddenFill xmlns:a14="http://schemas.microsoft.com/office/drawing/2010/main" xmlns="">
+              <a14:hiddenFill xmlns="" xmlns:a14="http://schemas.microsoft.com/office/drawing/2010/main">
                 <a:solidFill>
                   <a:srgbClr val="FFFFFF"/>
                 </a:solidFill>
@@ -9145,7 +9145,7 @@
               </a:ln>
               <a:extLst>
                 <a:ext uri="{91240B29-F687-4f45-9708-019B960494DF}">
-                  <a14:hiddenLine xmlns:a14="http://schemas.microsoft.com/office/drawing/2010/main" xmlns="" w="9525">
+                  <a14:hiddenLine xmlns="" xmlns:a14="http://schemas.microsoft.com/office/drawing/2010/main" w="9525">
                     <a:solidFill>
                       <a:srgbClr val="000000"/>
                     </a:solidFill>
@@ -9235,7 +9235,7 @@
               </a:ln>
               <a:extLst>
                 <a:ext uri="{91240B29-F687-4f45-9708-019B960494DF}">
-                  <a14:hiddenLine xmlns:a14="http://schemas.microsoft.com/office/drawing/2010/main" xmlns="" w="9525">
+                  <a14:hiddenLine xmlns="" xmlns:a14="http://schemas.microsoft.com/office/drawing/2010/main" w="9525">
                     <a:solidFill>
                       <a:srgbClr val="000000"/>
                     </a:solidFill>
@@ -9325,7 +9325,7 @@
               </a:ln>
               <a:extLst>
                 <a:ext uri="{91240B29-F687-4f45-9708-019B960494DF}">
-                  <a14:hiddenLine xmlns:a14="http://schemas.microsoft.com/office/drawing/2010/main" xmlns="" w="9525">
+                  <a14:hiddenLine xmlns="" xmlns:a14="http://schemas.microsoft.com/office/drawing/2010/main" w="9525">
                     <a:solidFill>
                       <a:srgbClr val="000000"/>
                     </a:solidFill>
@@ -9387,7 +9387,7 @@
               </a:ln>
               <a:extLst>
                 <a:ext uri="{91240B29-F687-4f45-9708-019B960494DF}">
-                  <a14:hiddenLine xmlns:a14="http://schemas.microsoft.com/office/drawing/2010/main" xmlns="" w="9525">
+                  <a14:hiddenLine xmlns="" xmlns:a14="http://schemas.microsoft.com/office/drawing/2010/main" w="9525">
                     <a:solidFill>
                       <a:srgbClr val="000000"/>
                     </a:solidFill>
@@ -9477,7 +9477,7 @@
               </a:ln>
               <a:extLst>
                 <a:ext uri="{91240B29-F687-4f45-9708-019B960494DF}">
-                  <a14:hiddenLine xmlns:a14="http://schemas.microsoft.com/office/drawing/2010/main" xmlns="" w="9525">
+                  <a14:hiddenLine xmlns="" xmlns:a14="http://schemas.microsoft.com/office/drawing/2010/main" w="9525">
                     <a:solidFill>
                       <a:srgbClr val="000000"/>
                     </a:solidFill>
@@ -9539,7 +9539,7 @@
               </a:ln>
               <a:extLst>
                 <a:ext uri="{91240B29-F687-4f45-9708-019B960494DF}">
-                  <a14:hiddenLine xmlns:a14="http://schemas.microsoft.com/office/drawing/2010/main" xmlns="" w="9525">
+                  <a14:hiddenLine xmlns="" xmlns:a14="http://schemas.microsoft.com/office/drawing/2010/main" w="9525">
                     <a:solidFill>
                       <a:srgbClr val="000000"/>
                     </a:solidFill>
@@ -9601,7 +9601,7 @@
               </a:ln>
               <a:extLst>
                 <a:ext uri="{91240B29-F687-4f45-9708-019B960494DF}">
-                  <a14:hiddenLine xmlns:a14="http://schemas.microsoft.com/office/drawing/2010/main" xmlns="" w="9525">
+                  <a14:hiddenLine xmlns="" xmlns:a14="http://schemas.microsoft.com/office/drawing/2010/main" w="9525">
                     <a:solidFill>
                       <a:srgbClr val="000000"/>
                     </a:solidFill>
@@ -9691,7 +9691,7 @@
               </a:ln>
               <a:extLst>
                 <a:ext uri="{91240B29-F687-4f45-9708-019B960494DF}">
-                  <a14:hiddenLine xmlns:a14="http://schemas.microsoft.com/office/drawing/2010/main" xmlns="" w="9525">
+                  <a14:hiddenLine xmlns="" xmlns:a14="http://schemas.microsoft.com/office/drawing/2010/main" w="9525">
                     <a:solidFill>
                       <a:srgbClr val="000000"/>
                     </a:solidFill>
@@ -9781,7 +9781,7 @@
               </a:ln>
               <a:extLst>
                 <a:ext uri="{91240B29-F687-4f45-9708-019B960494DF}">
-                  <a14:hiddenLine xmlns:a14="http://schemas.microsoft.com/office/drawing/2010/main" xmlns="" w="9525">
+                  <a14:hiddenLine xmlns="" xmlns:a14="http://schemas.microsoft.com/office/drawing/2010/main" w="9525">
                     <a:solidFill>
                       <a:srgbClr val="000000"/>
                     </a:solidFill>
@@ -9843,7 +9843,7 @@
               </a:ln>
               <a:extLst>
                 <a:ext uri="{91240B29-F687-4f45-9708-019B960494DF}">
-                  <a14:hiddenLine xmlns:a14="http://schemas.microsoft.com/office/drawing/2010/main" xmlns="" w="9525">
+                  <a14:hiddenLine xmlns="" xmlns:a14="http://schemas.microsoft.com/office/drawing/2010/main" w="9525">
                     <a:solidFill>
                       <a:srgbClr val="000000"/>
                     </a:solidFill>
@@ -9953,7 +9953,7 @@
               </a:ln>
               <a:extLst>
                 <a:ext uri="{91240B29-F687-4f45-9708-019B960494DF}">
-                  <a14:hiddenLine xmlns:a14="http://schemas.microsoft.com/office/drawing/2010/main" xmlns="" w="9525">
+                  <a14:hiddenLine xmlns="" xmlns:a14="http://schemas.microsoft.com/office/drawing/2010/main" w="9525">
                     <a:solidFill>
                       <a:srgbClr val="000000"/>
                     </a:solidFill>
@@ -10037,7 +10037,7 @@
               </a:ln>
               <a:extLst>
                 <a:ext uri="{91240B29-F687-4f45-9708-019B960494DF}">
-                  <a14:hiddenLine xmlns:a14="http://schemas.microsoft.com/office/drawing/2010/main" xmlns="" w="9525">
+                  <a14:hiddenLine xmlns="" xmlns:a14="http://schemas.microsoft.com/office/drawing/2010/main" w="9525">
                     <a:solidFill>
                       <a:srgbClr val="000000"/>
                     </a:solidFill>
@@ -10099,7 +10099,7 @@
               </a:ln>
               <a:extLst>
                 <a:ext uri="{91240B29-F687-4f45-9708-019B960494DF}">
-                  <a14:hiddenLine xmlns:a14="http://schemas.microsoft.com/office/drawing/2010/main" xmlns="" w="9525">
+                  <a14:hiddenLine xmlns="" xmlns:a14="http://schemas.microsoft.com/office/drawing/2010/main" w="9525">
                     <a:solidFill>
                       <a:srgbClr val="000000"/>
                     </a:solidFill>
@@ -10161,7 +10161,7 @@
               </a:ln>
               <a:extLst>
                 <a:ext uri="{91240B29-F687-4f45-9708-019B960494DF}">
-                  <a14:hiddenLine xmlns:a14="http://schemas.microsoft.com/office/drawing/2010/main" xmlns="" w="9525">
+                  <a14:hiddenLine xmlns="" xmlns:a14="http://schemas.microsoft.com/office/drawing/2010/main" w="9525">
                     <a:solidFill>
                       <a:srgbClr val="000000"/>
                     </a:solidFill>
@@ -10251,7 +10251,7 @@
               </a:ln>
               <a:extLst>
                 <a:ext uri="{91240B29-F687-4f45-9708-019B960494DF}">
-                  <a14:hiddenLine xmlns:a14="http://schemas.microsoft.com/office/drawing/2010/main" xmlns="" w="9525">
+                  <a14:hiddenLine xmlns="" xmlns:a14="http://schemas.microsoft.com/office/drawing/2010/main" w="9525">
                     <a:solidFill>
                       <a:srgbClr val="000000"/>
                     </a:solidFill>
@@ -10285,7 +10285,7 @@
               </a:ln>
               <a:extLst>
                 <a:ext uri="{91240B29-F687-4f45-9708-019B960494DF}">
-                  <a14:hiddenLine xmlns:a14="http://schemas.microsoft.com/office/drawing/2010/main" xmlns="" w="9525">
+                  <a14:hiddenLine xmlns="" xmlns:a14="http://schemas.microsoft.com/office/drawing/2010/main" w="9525">
                     <a:solidFill>
                       <a:srgbClr val="000000"/>
                     </a:solidFill>
@@ -10350,7 +10350,7 @@
               </a:ln>
               <a:extLst>
                 <a:ext uri="{91240B29-F687-4f45-9708-019B960494DF}">
-                  <a14:hiddenLine xmlns:a14="http://schemas.microsoft.com/office/drawing/2010/main" xmlns="" w="9525">
+                  <a14:hiddenLine xmlns="" xmlns:a14="http://schemas.microsoft.com/office/drawing/2010/main" w="9525">
                     <a:solidFill>
                       <a:srgbClr val="000000"/>
                     </a:solidFill>
@@ -10440,7 +10440,7 @@
               </a:ln>
               <a:extLst>
                 <a:ext uri="{91240B29-F687-4f45-9708-019B960494DF}">
-                  <a14:hiddenLine xmlns:a14="http://schemas.microsoft.com/office/drawing/2010/main" xmlns="" w="9525">
+                  <a14:hiddenLine xmlns="" xmlns:a14="http://schemas.microsoft.com/office/drawing/2010/main" w="9525">
                     <a:solidFill>
                       <a:srgbClr val="000000"/>
                     </a:solidFill>
@@ -10502,7 +10502,7 @@
               </a:ln>
               <a:extLst>
                 <a:ext uri="{91240B29-F687-4f45-9708-019B960494DF}">
-                  <a14:hiddenLine xmlns:a14="http://schemas.microsoft.com/office/drawing/2010/main" xmlns="" w="9525">
+                  <a14:hiddenLine xmlns="" xmlns:a14="http://schemas.microsoft.com/office/drawing/2010/main" w="9525">
                     <a:solidFill>
                       <a:srgbClr val="000000"/>
                     </a:solidFill>
@@ -10592,7 +10592,7 @@
               </a:ln>
               <a:extLst>
                 <a:ext uri="{91240B29-F687-4f45-9708-019B960494DF}">
-                  <a14:hiddenLine xmlns:a14="http://schemas.microsoft.com/office/drawing/2010/main" xmlns="" w="9525">
+                  <a14:hiddenLine xmlns="" xmlns:a14="http://schemas.microsoft.com/office/drawing/2010/main" w="9525">
                     <a:solidFill>
                       <a:srgbClr val="000000"/>
                     </a:solidFill>
@@ -10657,7 +10657,7 @@
               </a:ln>
               <a:extLst>
                 <a:ext uri="{91240B29-F687-4f45-9708-019B960494DF}">
-                  <a14:hiddenLine xmlns:a14="http://schemas.microsoft.com/office/drawing/2010/main" xmlns="" w="9525">
+                  <a14:hiddenLine xmlns="" xmlns:a14="http://schemas.microsoft.com/office/drawing/2010/main" w="9525">
                     <a:solidFill>
                       <a:srgbClr val="000000"/>
                     </a:solidFill>
@@ -10719,7 +10719,7 @@
               </a:ln>
               <a:extLst>
                 <a:ext uri="{91240B29-F687-4f45-9708-019B960494DF}">
-                  <a14:hiddenLine xmlns:a14="http://schemas.microsoft.com/office/drawing/2010/main" xmlns="" w="9525">
+                  <a14:hiddenLine xmlns="" xmlns:a14="http://schemas.microsoft.com/office/drawing/2010/main" w="9525">
                     <a:solidFill>
                       <a:srgbClr val="000000"/>
                     </a:solidFill>
@@ -10809,7 +10809,7 @@
               </a:ln>
               <a:extLst>
                 <a:ext uri="{91240B29-F687-4f45-9708-019B960494DF}">
-                  <a14:hiddenLine xmlns:a14="http://schemas.microsoft.com/office/drawing/2010/main" xmlns="" w="9525">
+                  <a14:hiddenLine xmlns="" xmlns:a14="http://schemas.microsoft.com/office/drawing/2010/main" w="9525">
                     <a:solidFill>
                       <a:srgbClr val="000000"/>
                     </a:solidFill>
@@ -10899,7 +10899,7 @@
               </a:ln>
               <a:extLst>
                 <a:ext uri="{91240B29-F687-4f45-9708-019B960494DF}">
-                  <a14:hiddenLine xmlns:a14="http://schemas.microsoft.com/office/drawing/2010/main" xmlns="" w="9525">
+                  <a14:hiddenLine xmlns="" xmlns:a14="http://schemas.microsoft.com/office/drawing/2010/main" w="9525">
                     <a:solidFill>
                       <a:srgbClr val="000000"/>
                     </a:solidFill>
@@ -10964,7 +10964,7 @@
               </a:ln>
               <a:extLst>
                 <a:ext uri="{91240B29-F687-4f45-9708-019B960494DF}">
-                  <a14:hiddenLine xmlns:a14="http://schemas.microsoft.com/office/drawing/2010/main" xmlns="" w="9525">
+                  <a14:hiddenLine xmlns="" xmlns:a14="http://schemas.microsoft.com/office/drawing/2010/main" w="9525">
                     <a:solidFill>
                       <a:srgbClr val="000000"/>
                     </a:solidFill>
@@ -11084,7 +11084,7 @@
               </a:ln>
               <a:extLst>
                 <a:ext uri="{91240B29-F687-4f45-9708-019B960494DF}">
-                  <a14:hiddenLine xmlns:a14="http://schemas.microsoft.com/office/drawing/2010/main" xmlns="" w="9525">
+                  <a14:hiddenLine xmlns="" xmlns:a14="http://schemas.microsoft.com/office/drawing/2010/main" w="9525">
                     <a:solidFill>
                       <a:srgbClr val="000000"/>
                     </a:solidFill>
@@ -11165,7 +11165,7 @@
               </a:ln>
               <a:extLst>
                 <a:ext uri="{91240B29-F687-4f45-9708-019B960494DF}">
-                  <a14:hiddenLine xmlns:a14="http://schemas.microsoft.com/office/drawing/2010/main" xmlns="" w="9525">
+                  <a14:hiddenLine xmlns="" xmlns:a14="http://schemas.microsoft.com/office/drawing/2010/main" w="9525">
                     <a:solidFill>
                       <a:srgbClr val="000000"/>
                     </a:solidFill>
@@ -11280,7 +11280,7 @@
               </a:ln>
               <a:extLst>
                 <a:ext uri="{91240B29-F687-4f45-9708-019B960494DF}">
-                  <a14:hiddenLine xmlns:a14="http://schemas.microsoft.com/office/drawing/2010/main" xmlns="" w="9525">
+                  <a14:hiddenLine xmlns="" xmlns:a14="http://schemas.microsoft.com/office/drawing/2010/main" w="9525">
                     <a:solidFill>
                       <a:srgbClr val="000000"/>
                     </a:solidFill>
@@ -11370,7 +11370,7 @@
               </a:ln>
               <a:extLst>
                 <a:ext uri="{91240B29-F687-4f45-9708-019B960494DF}">
-                  <a14:hiddenLine xmlns:a14="http://schemas.microsoft.com/office/drawing/2010/main" xmlns="" w="9525">
+                  <a14:hiddenLine xmlns="" xmlns:a14="http://schemas.microsoft.com/office/drawing/2010/main" w="9525">
                     <a:solidFill>
                       <a:srgbClr val="000000"/>
                     </a:solidFill>
@@ -11435,7 +11435,7 @@
               </a:ln>
               <a:extLst>
                 <a:ext uri="{91240B29-F687-4f45-9708-019B960494DF}">
-                  <a14:hiddenLine xmlns:a14="http://schemas.microsoft.com/office/drawing/2010/main" xmlns="" w="9525">
+                  <a14:hiddenLine xmlns="" xmlns:a14="http://schemas.microsoft.com/office/drawing/2010/main" w="9525">
                     <a:solidFill>
                       <a:srgbClr val="000000"/>
                     </a:solidFill>
@@ -11525,7 +11525,7 @@
               </a:ln>
               <a:extLst>
                 <a:ext uri="{91240B29-F687-4f45-9708-019B960494DF}">
-                  <a14:hiddenLine xmlns:a14="http://schemas.microsoft.com/office/drawing/2010/main" xmlns="" w="9525">
+                  <a14:hiddenLine xmlns="" xmlns:a14="http://schemas.microsoft.com/office/drawing/2010/main" w="9525">
                     <a:solidFill>
                       <a:srgbClr val="000000"/>
                     </a:solidFill>
@@ -11593,7 +11593,7 @@
               </a:ln>
               <a:extLst>
                 <a:ext uri="{91240B29-F687-4f45-9708-019B960494DF}">
-                  <a14:hiddenLine xmlns:a14="http://schemas.microsoft.com/office/drawing/2010/main" xmlns="" w="9525">
+                  <a14:hiddenLine xmlns="" xmlns:a14="http://schemas.microsoft.com/office/drawing/2010/main" w="9525">
                     <a:solidFill>
                       <a:srgbClr val="000000"/>
                     </a:solidFill>
@@ -11683,7 +11683,7 @@
               </a:ln>
               <a:extLst>
                 <a:ext uri="{91240B29-F687-4f45-9708-019B960494DF}">
-                  <a14:hiddenLine xmlns:a14="http://schemas.microsoft.com/office/drawing/2010/main" xmlns="" w="9525">
+                  <a14:hiddenLine xmlns="" xmlns:a14="http://schemas.microsoft.com/office/drawing/2010/main" w="9525">
                     <a:solidFill>
                       <a:srgbClr val="000000"/>
                     </a:solidFill>
@@ -11751,7 +11751,7 @@
               </a:ln>
               <a:extLst>
                 <a:ext uri="{91240B29-F687-4f45-9708-019B960494DF}">
-                  <a14:hiddenLine xmlns:a14="http://schemas.microsoft.com/office/drawing/2010/main" xmlns="" w="9525">
+                  <a14:hiddenLine xmlns="" xmlns:a14="http://schemas.microsoft.com/office/drawing/2010/main" w="9525">
                     <a:solidFill>
                       <a:srgbClr val="000000"/>
                     </a:solidFill>
@@ -11841,7 +11841,7 @@
               </a:ln>
               <a:extLst>
                 <a:ext uri="{91240B29-F687-4f45-9708-019B960494DF}">
-                  <a14:hiddenLine xmlns:a14="http://schemas.microsoft.com/office/drawing/2010/main" xmlns="" w="9525">
+                  <a14:hiddenLine xmlns="" xmlns:a14="http://schemas.microsoft.com/office/drawing/2010/main" w="9525">
                     <a:solidFill>
                       <a:srgbClr val="000000"/>
                     </a:solidFill>
@@ -11875,7 +11875,7 @@
               </a:ln>
               <a:extLst>
                 <a:ext uri="{91240B29-F687-4f45-9708-019B960494DF}">
-                  <a14:hiddenLine xmlns:a14="http://schemas.microsoft.com/office/drawing/2010/main" xmlns="" w="9525">
+                  <a14:hiddenLine xmlns="" xmlns:a14="http://schemas.microsoft.com/office/drawing/2010/main" w="9525">
                     <a:solidFill>
                       <a:srgbClr val="000000"/>
                     </a:solidFill>
@@ -12015,7 +12015,7 @@
           <a:p>
             <a:fld id="{3E997F11-F380-4CE0-895A-BEEAB10E26E6}" type="datetimeFigureOut">
               <a:rPr lang="pt-BR" smtClean="0"/>
-              <a:t>09/05/2025</a:t>
+              <a:t>11/05/2025</a:t>
             </a:fld>
             <a:endParaRPr lang="pt-BR"/>
           </a:p>
@@ -12506,15 +12506,7 @@
               <a:rPr lang="pt-BR" i="0" dirty="0">
                 <a:effectLst/>
               </a:rPr>
-              <a:t> | </a:t>
-            </a:r>
-          </a:p>
-          <a:p>
-            <a:r>
-              <a:rPr lang="pt-BR" i="0" dirty="0">
-                <a:effectLst/>
-              </a:rPr>
-              <a:t>GIORDANNY MACIEL BRAGA </a:t>
+              <a:t> </a:t>
             </a:r>
             <a:r>
               <a:rPr lang="pt-BR" i="0">
@@ -12525,6 +12517,14 @@
             <a:endParaRPr lang="pt-BR" i="0" dirty="0">
               <a:effectLst/>
             </a:endParaRPr>
+          </a:p>
+          <a:p>
+            <a:r>
+              <a:rPr lang="pt-BR" i="0" dirty="0">
+                <a:effectLst/>
+              </a:rPr>
+              <a:t>GIORDANNY MACIEL BRAGA | 1-2023126002</a:t>
+            </a:r>
           </a:p>
           <a:p>
             <a:endParaRPr lang="pt-BR" dirty="0"/>
